--- a/companymaster.pptx
+++ b/companymaster.pptx
@@ -5,16 +5,15 @@
     <p:sldMasterId id="2147483648" r:id="rId1"/>
   </p:sldMasterIdLst>
   <p:sldIdLst>
-    <p:sldId id="256" r:id="rId2"/>
-    <p:sldId id="257" r:id="rId3"/>
-    <p:sldId id="259" r:id="rId4"/>
-    <p:sldId id="258" r:id="rId5"/>
-    <p:sldId id="260" r:id="rId6"/>
-    <p:sldId id="264" r:id="rId7"/>
-    <p:sldId id="261" r:id="rId8"/>
-    <p:sldId id="262" r:id="rId9"/>
-    <p:sldId id="265" r:id="rId10"/>
-    <p:sldId id="263" r:id="rId11"/>
+    <p:sldId id="257" r:id="rId2"/>
+    <p:sldId id="259" r:id="rId3"/>
+    <p:sldId id="258" r:id="rId4"/>
+    <p:sldId id="260" r:id="rId5"/>
+    <p:sldId id="264" r:id="rId6"/>
+    <p:sldId id="261" r:id="rId7"/>
+    <p:sldId id="262" r:id="rId8"/>
+    <p:sldId id="265" r:id="rId9"/>
+    <p:sldId id="263" r:id="rId10"/>
   </p:sldIdLst>
   <p:sldSz cx="12192000" cy="6858000"/>
   <p:notesSz cx="6858000" cy="9144000"/>
@@ -272,7 +271,7 @@
           <a:p>
             <a:fld id="{D8011B2F-EAF4-46D9-8E0F-3AAF4D35F848}" type="datetimeFigureOut">
               <a:rPr lang="en-US" smtClean="0"/>
-              <a:t>10/18/2017</a:t>
+              <a:t>10/19/2017</a:t>
             </a:fld>
             <a:endParaRPr lang="en-US"/>
           </a:p>
@@ -470,7 +469,7 @@
           <a:p>
             <a:fld id="{D8011B2F-EAF4-46D9-8E0F-3AAF4D35F848}" type="datetimeFigureOut">
               <a:rPr lang="en-US" smtClean="0"/>
-              <a:t>10/18/2017</a:t>
+              <a:t>10/19/2017</a:t>
             </a:fld>
             <a:endParaRPr lang="en-US"/>
           </a:p>
@@ -678,7 +677,7 @@
           <a:p>
             <a:fld id="{D8011B2F-EAF4-46D9-8E0F-3AAF4D35F848}" type="datetimeFigureOut">
               <a:rPr lang="en-US" smtClean="0"/>
-              <a:t>10/18/2017</a:t>
+              <a:t>10/19/2017</a:t>
             </a:fld>
             <a:endParaRPr lang="en-US"/>
           </a:p>
@@ -876,7 +875,7 @@
           <a:p>
             <a:fld id="{D8011B2F-EAF4-46D9-8E0F-3AAF4D35F848}" type="datetimeFigureOut">
               <a:rPr lang="en-US" smtClean="0"/>
-              <a:t>10/18/2017</a:t>
+              <a:t>10/19/2017</a:t>
             </a:fld>
             <a:endParaRPr lang="en-US"/>
           </a:p>
@@ -1151,7 +1150,7 @@
           <a:p>
             <a:fld id="{D8011B2F-EAF4-46D9-8E0F-3AAF4D35F848}" type="datetimeFigureOut">
               <a:rPr lang="en-US" smtClean="0"/>
-              <a:t>10/18/2017</a:t>
+              <a:t>10/19/2017</a:t>
             </a:fld>
             <a:endParaRPr lang="en-US"/>
           </a:p>
@@ -1416,7 +1415,7 @@
           <a:p>
             <a:fld id="{D8011B2F-EAF4-46D9-8E0F-3AAF4D35F848}" type="datetimeFigureOut">
               <a:rPr lang="en-US" smtClean="0"/>
-              <a:t>10/18/2017</a:t>
+              <a:t>10/19/2017</a:t>
             </a:fld>
             <a:endParaRPr lang="en-US"/>
           </a:p>
@@ -1828,7 +1827,7 @@
           <a:p>
             <a:fld id="{D8011B2F-EAF4-46D9-8E0F-3AAF4D35F848}" type="datetimeFigureOut">
               <a:rPr lang="en-US" smtClean="0"/>
-              <a:t>10/18/2017</a:t>
+              <a:t>10/19/2017</a:t>
             </a:fld>
             <a:endParaRPr lang="en-US"/>
           </a:p>
@@ -1969,7 +1968,7 @@
           <a:p>
             <a:fld id="{D8011B2F-EAF4-46D9-8E0F-3AAF4D35F848}" type="datetimeFigureOut">
               <a:rPr lang="en-US" smtClean="0"/>
-              <a:t>10/18/2017</a:t>
+              <a:t>10/19/2017</a:t>
             </a:fld>
             <a:endParaRPr lang="en-US"/>
           </a:p>
@@ -2082,7 +2081,7 @@
           <a:p>
             <a:fld id="{D8011B2F-EAF4-46D9-8E0F-3AAF4D35F848}" type="datetimeFigureOut">
               <a:rPr lang="en-US" smtClean="0"/>
-              <a:t>10/18/2017</a:t>
+              <a:t>10/19/2017</a:t>
             </a:fld>
             <a:endParaRPr lang="en-US"/>
           </a:p>
@@ -2393,7 +2392,7 @@
           <a:p>
             <a:fld id="{D8011B2F-EAF4-46D9-8E0F-3AAF4D35F848}" type="datetimeFigureOut">
               <a:rPr lang="en-US" smtClean="0"/>
-              <a:t>10/18/2017</a:t>
+              <a:t>10/19/2017</a:t>
             </a:fld>
             <a:endParaRPr lang="en-US"/>
           </a:p>
@@ -2681,7 +2680,7 @@
           <a:p>
             <a:fld id="{D8011B2F-EAF4-46D9-8E0F-3AAF4D35F848}" type="datetimeFigureOut">
               <a:rPr lang="en-US" smtClean="0"/>
-              <a:t>10/18/2017</a:t>
+              <a:t>10/19/2017</a:t>
             </a:fld>
             <a:endParaRPr lang="en-US"/>
           </a:p>
@@ -2922,7 +2921,7 @@
           <a:p>
             <a:fld id="{D8011B2F-EAF4-46D9-8E0F-3AAF4D35F848}" type="datetimeFigureOut">
               <a:rPr lang="en-US" smtClean="0"/>
-              <a:t>10/18/2017</a:t>
+              <a:t>10/19/2017</a:t>
             </a:fld>
             <a:endParaRPr lang="en-US"/>
           </a:p>
@@ -3344,161 +3343,143 @@
           <p:cNvPr id="2" name="Title 1">
             <a:extLst>
               <a:ext uri="{FF2B5EF4-FFF2-40B4-BE49-F238E27FC236}">
-                <a16:creationId xmlns:a16="http://schemas.microsoft.com/office/drawing/2014/main" id="{D870EC4B-BD49-4338-BD4D-55212D1036B7}"/>
-              </a:ext>
-            </a:extLst>
-          </p:cNvPr>
-          <p:cNvSpPr>
-            <a:spLocks noGrp="1"/>
-          </p:cNvSpPr>
-          <p:nvPr>
-            <p:ph type="ctrTitle"/>
-          </p:nvPr>
-        </p:nvSpPr>
-        <p:spPr/>
-        <p:txBody>
-          <a:bodyPr/>
-          <a:lstStyle/>
-          <a:p>
-            <a:endParaRPr lang="en-US"/>
-          </a:p>
-        </p:txBody>
-      </p:sp>
-      <p:sp>
-        <p:nvSpPr>
-          <p:cNvPr id="3" name="Subtitle 2">
-            <a:extLst>
-              <a:ext uri="{FF2B5EF4-FFF2-40B4-BE49-F238E27FC236}">
-                <a16:creationId xmlns:a16="http://schemas.microsoft.com/office/drawing/2014/main" id="{2CAA64B3-931F-40F2-88C9-D4D9E230C97E}"/>
-              </a:ext>
-            </a:extLst>
-          </p:cNvPr>
-          <p:cNvSpPr>
-            <a:spLocks noGrp="1"/>
-          </p:cNvSpPr>
-          <p:nvPr>
-            <p:ph type="subTitle" idx="1"/>
-          </p:nvPr>
-        </p:nvSpPr>
-        <p:spPr/>
-        <p:txBody>
-          <a:bodyPr/>
-          <a:lstStyle/>
-          <a:p>
-            <a:endParaRPr lang="en-US"/>
+                <a16:creationId xmlns:a16="http://schemas.microsoft.com/office/drawing/2014/main" id="{D519F9DA-0C2D-46CA-BC0C-C9C6C677B4CE}"/>
+              </a:ext>
+            </a:extLst>
+          </p:cNvPr>
+          <p:cNvSpPr>
+            <a:spLocks noGrp="1"/>
+          </p:cNvSpPr>
+          <p:nvPr>
+            <p:ph type="title"/>
+          </p:nvPr>
+        </p:nvSpPr>
+        <p:spPr/>
+        <p:txBody>
+          <a:bodyPr/>
+          <a:lstStyle/>
+          <a:p>
+            <a:r>
+              <a:rPr lang="en-US" dirty="0"/>
+              <a:t>Motivation</a:t>
+            </a:r>
+          </a:p>
+        </p:txBody>
+      </p:sp>
+      <p:sp>
+        <p:nvSpPr>
+          <p:cNvPr id="3" name="Content Placeholder 2">
+            <a:extLst>
+              <a:ext uri="{FF2B5EF4-FFF2-40B4-BE49-F238E27FC236}">
+                <a16:creationId xmlns:a16="http://schemas.microsoft.com/office/drawing/2014/main" id="{6663A151-0BEE-4B0F-9804-074C2C64F23B}"/>
+              </a:ext>
+            </a:extLst>
+          </p:cNvPr>
+          <p:cNvSpPr>
+            <a:spLocks noGrp="1"/>
+          </p:cNvSpPr>
+          <p:nvPr>
+            <p:ph idx="1"/>
+          </p:nvPr>
+        </p:nvSpPr>
+        <p:spPr/>
+        <p:txBody>
+          <a:bodyPr>
+            <a:normAutofit fontScale="85000" lnSpcReduction="20000"/>
+          </a:bodyPr>
+          <a:lstStyle/>
+          <a:p>
+            <a:r>
+              <a:rPr lang="en-US" dirty="0"/>
+              <a:t>We'd like to invest in companies</a:t>
+            </a:r>
+          </a:p>
+          <a:p>
+            <a:pPr lvl="1"/>
+            <a:r>
+              <a:rPr lang="en-US" dirty="0"/>
+              <a:t>Through stocks or bonds or even derivatives on those like options and CDS</a:t>
+            </a:r>
+          </a:p>
+          <a:p>
+            <a:r>
+              <a:rPr lang="en-US" dirty="0"/>
+              <a:t>To do so, we need to aggregate information about companies</a:t>
+            </a:r>
+          </a:p>
+          <a:p>
+            <a:pPr lvl="1"/>
+            <a:r>
+              <a:rPr lang="en-US" dirty="0"/>
+              <a:t>And make sure all the information is talking about the same thing</a:t>
+            </a:r>
+          </a:p>
+          <a:p>
+            <a:pPr lvl="1"/>
+            <a:r>
+              <a:rPr lang="en-US" dirty="0"/>
+              <a:t>And know how to find the stocks and bonds issued by the company</a:t>
+            </a:r>
+          </a:p>
+          <a:p>
+            <a:r>
+              <a:rPr lang="en-US" dirty="0"/>
+              <a:t>Information comes from disparate vendors and governments</a:t>
+            </a:r>
+          </a:p>
+          <a:p>
+            <a:pPr lvl="1"/>
+            <a:r>
+              <a:rPr lang="en-US" dirty="0"/>
+              <a:t>They don't all agree on how companies and securities should be identified</a:t>
+            </a:r>
+          </a:p>
+          <a:p>
+            <a:r>
+              <a:rPr lang="en-US" dirty="0"/>
+              <a:t>To test our models, we need all this for decades in the past</a:t>
+            </a:r>
+          </a:p>
+          <a:p>
+            <a:pPr lvl="1"/>
+            <a:r>
+              <a:rPr lang="en-US" dirty="0"/>
+              <a:t>CRSP: 1962</a:t>
+            </a:r>
+          </a:p>
+          <a:p>
+            <a:pPr lvl="1"/>
+            <a:r>
+              <a:rPr lang="en-US" dirty="0"/>
+              <a:t>The more the better due to dimensionality</a:t>
+            </a:r>
+          </a:p>
+          <a:p>
+            <a:pPr lvl="1"/>
+            <a:r>
+              <a:rPr lang="en-US" dirty="0"/>
+              <a:t>Guard against survivor bias, lookahead bias</a:t>
+            </a:r>
+          </a:p>
+          <a:p>
+            <a:pPr lvl="2"/>
+            <a:r>
+              <a:rPr lang="en-US" dirty="0"/>
+              <a:t>Means we need bankrupt companies, companies that are now private, companies acquired in the past, etc. </a:t>
+            </a:r>
+          </a:p>
+          <a:p>
+            <a:r>
+              <a:rPr lang="en-US" dirty="0"/>
+              <a:t>Scope: US Public Companies</a:t>
+            </a:r>
           </a:p>
         </p:txBody>
       </p:sp>
     </p:spTree>
     <p:extLst>
       <p:ext uri="{BB962C8B-B14F-4D97-AF65-F5344CB8AC3E}">
-        <p14:creationId xmlns:p14="http://schemas.microsoft.com/office/powerpoint/2010/main" val="1174962961"/>
-      </p:ext>
-    </p:extLst>
-  </p:cSld>
-  <p:clrMapOvr>
-    <a:masterClrMapping/>
-  </p:clrMapOvr>
-</p:sld>
-</file>
-
-<file path=ppt/slides/slide10.xml><?xml version="1.0" encoding="utf-8"?>
-<p:sld xmlns:a="http://schemas.openxmlformats.org/drawingml/2006/main" xmlns:r="http://schemas.openxmlformats.org/officeDocument/2006/relationships" xmlns:p="http://schemas.openxmlformats.org/presentationml/2006/main">
-  <p:cSld>
-    <p:spTree>
-      <p:nvGrpSpPr>
-        <p:cNvPr id="1" name=""/>
-        <p:cNvGrpSpPr/>
-        <p:nvPr/>
-      </p:nvGrpSpPr>
-      <p:grpSpPr>
-        <a:xfrm>
-          <a:off x="0" y="0"/>
-          <a:ext cx="0" cy="0"/>
-          <a:chOff x="0" y="0"/>
-          <a:chExt cx="0" cy="0"/>
-        </a:xfrm>
-      </p:grpSpPr>
-      <p:sp>
-        <p:nvSpPr>
-          <p:cNvPr id="2" name="Title 1">
-            <a:extLst>
-              <a:ext uri="{FF2B5EF4-FFF2-40B4-BE49-F238E27FC236}">
-                <a16:creationId xmlns:a16="http://schemas.microsoft.com/office/drawing/2014/main" id="{9CF32B3D-03BD-4B28-8B9F-159D021838BF}"/>
-              </a:ext>
-            </a:extLst>
-          </p:cNvPr>
-          <p:cNvSpPr>
-            <a:spLocks noGrp="1"/>
-          </p:cNvSpPr>
-          <p:nvPr>
-            <p:ph type="title"/>
-          </p:nvPr>
-        </p:nvSpPr>
-        <p:spPr/>
-        <p:txBody>
-          <a:bodyPr/>
-          <a:lstStyle/>
-          <a:p>
-            <a:r>
-              <a:rPr lang="en-US" dirty="0"/>
-              <a:t>"Primary" security/trading venue</a:t>
-            </a:r>
-          </a:p>
-        </p:txBody>
-      </p:sp>
-      <p:sp>
-        <p:nvSpPr>
-          <p:cNvPr id="3" name="Content Placeholder 2">
-            <a:extLst>
-              <a:ext uri="{FF2B5EF4-FFF2-40B4-BE49-F238E27FC236}">
-                <a16:creationId xmlns:a16="http://schemas.microsoft.com/office/drawing/2014/main" id="{B3C4EDF2-1ABD-45FE-A968-4D728B774E0E}"/>
-              </a:ext>
-            </a:extLst>
-          </p:cNvPr>
-          <p:cNvSpPr>
-            <a:spLocks noGrp="1"/>
-          </p:cNvSpPr>
-          <p:nvPr>
-            <p:ph idx="1"/>
-          </p:nvPr>
-        </p:nvSpPr>
-        <p:spPr/>
-        <p:txBody>
-          <a:bodyPr/>
-          <a:lstStyle/>
-          <a:p>
-            <a:r>
-              <a:rPr lang="en-US" dirty="0"/>
-              <a:t>You probably want to buy the "primary" security on the "primary" exchange</a:t>
-            </a:r>
-          </a:p>
-          <a:p>
-            <a:r>
-              <a:rPr lang="en-US" dirty="0"/>
-              <a:t>How to define it? </a:t>
-            </a:r>
-          </a:p>
-          <a:p>
-            <a:pPr lvl="1"/>
-            <a:r>
-              <a:rPr lang="en-US" dirty="0"/>
-              <a:t>Multiple share classes, maybe some voting, some not</a:t>
-            </a:r>
-          </a:p>
-          <a:p>
-            <a:pPr lvl="1"/>
-            <a:r>
-              <a:rPr lang="en-US" dirty="0"/>
-              <a:t>Multiple exchanges. Largest volume? Local currency?</a:t>
-            </a:r>
-          </a:p>
-        </p:txBody>
-      </p:sp>
-    </p:spTree>
-    <p:extLst>
-      <p:ext uri="{BB962C8B-B14F-4D97-AF65-F5344CB8AC3E}">
-        <p14:creationId xmlns:p14="http://schemas.microsoft.com/office/powerpoint/2010/main" val="3312153084"/>
+        <p14:creationId xmlns:p14="http://schemas.microsoft.com/office/powerpoint/2010/main" val="1677674713"/>
       </p:ext>
     </p:extLst>
   </p:cSld>
@@ -3530,7 +3511,7 @@
           <p:cNvPr id="2" name="Title 1">
             <a:extLst>
               <a:ext uri="{FF2B5EF4-FFF2-40B4-BE49-F238E27FC236}">
-                <a16:creationId xmlns:a16="http://schemas.microsoft.com/office/drawing/2014/main" id="{D519F9DA-0C2D-46CA-BC0C-C9C6C677B4CE}"/>
+                <a16:creationId xmlns:a16="http://schemas.microsoft.com/office/drawing/2014/main" id="{A404F97B-57A9-42E0-AF61-BF5591A57F28}"/>
               </a:ext>
             </a:extLst>
           </p:cNvPr>
@@ -3548,7 +3529,7 @@
           <a:p>
             <a:r>
               <a:rPr lang="en-US" dirty="0"/>
-              <a:t>Motivation</a:t>
+              <a:t>Company Identifiers</a:t>
             </a:r>
           </a:p>
         </p:txBody>
@@ -3558,7 +3539,7 @@
           <p:cNvPr id="3" name="Content Placeholder 2">
             <a:extLst>
               <a:ext uri="{FF2B5EF4-FFF2-40B4-BE49-F238E27FC236}">
-                <a16:creationId xmlns:a16="http://schemas.microsoft.com/office/drawing/2014/main" id="{6663A151-0BEE-4B0F-9804-074C2C64F23B}"/>
+                <a16:creationId xmlns:a16="http://schemas.microsoft.com/office/drawing/2014/main" id="{5E9E375F-504F-4E69-B73B-E58541A5A299}"/>
               </a:ext>
             </a:extLst>
           </p:cNvPr>
@@ -3571,102 +3552,57 @@
         </p:nvSpPr>
         <p:spPr/>
         <p:txBody>
-          <a:bodyPr>
-            <a:normAutofit fontScale="85000" lnSpcReduction="20000"/>
-          </a:bodyPr>
-          <a:lstStyle/>
-          <a:p>
-            <a:r>
-              <a:rPr lang="en-US" dirty="0"/>
-              <a:t>We'd like to invest in companies</a:t>
+          <a:bodyPr/>
+          <a:lstStyle/>
+          <a:p>
+            <a:r>
+              <a:rPr lang="en-US" dirty="0"/>
+              <a:t>Name(?)</a:t>
+            </a:r>
+          </a:p>
+          <a:p>
+            <a:r>
+              <a:rPr lang="en-US" dirty="0"/>
+              <a:t>SEC Central Index Key (CIK)</a:t>
+            </a:r>
+          </a:p>
+          <a:p>
+            <a:r>
+              <a:rPr lang="en-US" dirty="0"/>
+              <a:t>Dunn &amp; Bradstreet Number (D-U-N-S)</a:t>
             </a:r>
           </a:p>
           <a:p>
             <a:pPr lvl="1"/>
             <a:r>
               <a:rPr lang="en-US" dirty="0"/>
-              <a:t>Through stocks or bonds or even derivatives on those like options and CDS</a:t>
-            </a:r>
-          </a:p>
-          <a:p>
-            <a:r>
-              <a:rPr lang="en-US" dirty="0"/>
-              <a:t>To do so, we need to aggregate information about companies</a:t>
-            </a:r>
-          </a:p>
-          <a:p>
-            <a:pPr lvl="1"/>
-            <a:r>
-              <a:rPr lang="en-US" dirty="0"/>
-              <a:t>And make sure all the information is talking about the same thing</a:t>
-            </a:r>
-          </a:p>
-          <a:p>
-            <a:pPr lvl="1"/>
-            <a:r>
-              <a:rPr lang="en-US" dirty="0"/>
-              <a:t>And know how to find the stocks and bonds issued by the company</a:t>
-            </a:r>
-          </a:p>
-          <a:p>
-            <a:r>
-              <a:rPr lang="en-US" dirty="0"/>
-              <a:t>Information comes from disparate vendors and governments</a:t>
-            </a:r>
-          </a:p>
-          <a:p>
-            <a:pPr lvl="1"/>
-            <a:r>
-              <a:rPr lang="en-US" dirty="0"/>
-              <a:t>They don't all agree on how companies and securities should be identified</a:t>
-            </a:r>
-          </a:p>
-          <a:p>
-            <a:r>
-              <a:rPr lang="en-US" dirty="0"/>
-              <a:t>To test our models, we need all this for decades in the past</a:t>
-            </a:r>
-          </a:p>
-          <a:p>
-            <a:pPr lvl="1"/>
-            <a:r>
-              <a:rPr lang="en-US" dirty="0"/>
-              <a:t>CRSP: 1962</a:t>
-            </a:r>
-          </a:p>
-          <a:p>
-            <a:pPr lvl="1"/>
-            <a:r>
-              <a:rPr lang="en-US" dirty="0"/>
-              <a:t>The more the better due to dimensionality</a:t>
-            </a:r>
-          </a:p>
-          <a:p>
-            <a:pPr lvl="1"/>
-            <a:r>
-              <a:rPr lang="en-US" dirty="0"/>
-              <a:t>Guard against survivor bias, lookahead bias</a:t>
-            </a:r>
-          </a:p>
-          <a:p>
-            <a:pPr lvl="2"/>
-            <a:r>
-              <a:rPr lang="en-US" dirty="0"/>
-              <a:t>Means we need bankrupt companies, companies that are now private, companies acquired in the past, etc. </a:t>
-            </a:r>
-          </a:p>
-          <a:p>
-            <a:r>
-              <a:rPr lang="en-US" dirty="0"/>
-              <a:t>Scope: US Public Companies</a:t>
-            </a:r>
+              <a:t>Really not open!</a:t>
+            </a:r>
+          </a:p>
+          <a:p>
+            <a:r>
+              <a:rPr lang="en-US" dirty="0"/>
+              <a:t>EIN</a:t>
+            </a:r>
+          </a:p>
+          <a:p>
+            <a:r>
+              <a:rPr lang="en-US" dirty="0"/>
+              <a:t>Delaware registration</a:t>
+            </a:r>
+          </a:p>
+          <a:p>
+            <a:endParaRPr lang="en-US" dirty="0"/>
+          </a:p>
+          <a:p>
+            <a:endParaRPr lang="en-US" dirty="0"/>
           </a:p>
         </p:txBody>
       </p:sp>
     </p:spTree>
     <p:extLst>
       <p:ext uri="{BB962C8B-B14F-4D97-AF65-F5344CB8AC3E}">
-        <p14:creationId xmlns:p14="http://schemas.microsoft.com/office/powerpoint/2010/main" val="1677674713"/>
+        <p14:creationId xmlns:p14="http://schemas.microsoft.com/office/powerpoint/2010/main" val="1702561611"/>
       </p:ext>
     </p:extLst>
   </p:cSld>
@@ -3698,7 +3634,7 @@
           <p:cNvPr id="2" name="Title 1">
             <a:extLst>
               <a:ext uri="{FF2B5EF4-FFF2-40B4-BE49-F238E27FC236}">
-                <a16:creationId xmlns:a16="http://schemas.microsoft.com/office/drawing/2014/main" id="{A404F97B-57A9-42E0-AF61-BF5591A57F28}"/>
+                <a16:creationId xmlns:a16="http://schemas.microsoft.com/office/drawing/2014/main" id="{2D2BA2AB-B634-4A1C-9329-1536E1EE7F4B}"/>
               </a:ext>
             </a:extLst>
           </p:cNvPr>
@@ -3716,7 +3652,7 @@
           <a:p>
             <a:r>
               <a:rPr lang="en-US" dirty="0"/>
-              <a:t>Company Identifiers</a:t>
+              <a:t>Security Identifiers</a:t>
             </a:r>
           </a:p>
         </p:txBody>
@@ -3726,7 +3662,7 @@
           <p:cNvPr id="3" name="Content Placeholder 2">
             <a:extLst>
               <a:ext uri="{FF2B5EF4-FFF2-40B4-BE49-F238E27FC236}">
-                <a16:creationId xmlns:a16="http://schemas.microsoft.com/office/drawing/2014/main" id="{5E9E375F-504F-4E69-B73B-E58541A5A299}"/>
+                <a16:creationId xmlns:a16="http://schemas.microsoft.com/office/drawing/2014/main" id="{3DAE8F9F-E426-4253-A39F-190BC15260EA}"/>
               </a:ext>
             </a:extLst>
           </p:cNvPr>
@@ -3739,57 +3675,112 @@
         </p:nvSpPr>
         <p:spPr/>
         <p:txBody>
-          <a:bodyPr/>
-          <a:lstStyle/>
-          <a:p>
-            <a:r>
-              <a:rPr lang="en-US" dirty="0"/>
-              <a:t>Name(?)</a:t>
-            </a:r>
-          </a:p>
-          <a:p>
-            <a:r>
-              <a:rPr lang="en-US" dirty="0"/>
-              <a:t>SEC Central Index Key (CIK)</a:t>
-            </a:r>
-          </a:p>
-          <a:p>
-            <a:r>
-              <a:rPr lang="en-US" dirty="0"/>
-              <a:t>Dunn &amp; Bradstreet Number (D-U-N-S)</a:t>
+          <a:bodyPr>
+            <a:normAutofit fontScale="85000" lnSpcReduction="10000"/>
+          </a:bodyPr>
+          <a:lstStyle/>
+          <a:p>
+            <a:r>
+              <a:rPr lang="en-US" dirty="0"/>
+              <a:t>Ticker</a:t>
             </a:r>
           </a:p>
           <a:p>
             <a:pPr lvl="1"/>
             <a:r>
               <a:rPr lang="en-US" dirty="0"/>
-              <a:t>Really not open!</a:t>
-            </a:r>
-          </a:p>
-          <a:p>
-            <a:r>
-              <a:rPr lang="en-US" dirty="0"/>
-              <a:t>EIN</a:t>
-            </a:r>
-          </a:p>
-          <a:p>
-            <a:r>
-              <a:rPr lang="en-US" dirty="0"/>
-              <a:t>Delaware registration</a:t>
-            </a:r>
-          </a:p>
-          <a:p>
-            <a:endParaRPr lang="en-US" dirty="0"/>
-          </a:p>
-          <a:p>
-            <a:endParaRPr lang="en-US" dirty="0"/>
+              <a:t>Issued by exchange</a:t>
+            </a:r>
+          </a:p>
+          <a:p>
+            <a:pPr lvl="2"/>
+            <a:r>
+              <a:rPr lang="en-US" dirty="0"/>
+              <a:t>Same security may have different tickers on different exchanges</a:t>
+            </a:r>
+          </a:p>
+          <a:p>
+            <a:pPr lvl="1"/>
+            <a:r>
+              <a:rPr lang="en-US" dirty="0"/>
+              <a:t>Change often due to name changes or vanity</a:t>
+            </a:r>
+          </a:p>
+          <a:p>
+            <a:r>
+              <a:rPr lang="en-US" dirty="0"/>
+              <a:t>CUSIP Number</a:t>
+            </a:r>
+          </a:p>
+          <a:p>
+            <a:pPr lvl="1"/>
+            <a:r>
+              <a:rPr lang="en-US" dirty="0"/>
+              <a:t>Committee on Uniform Security Identification Procedures	</a:t>
+            </a:r>
+          </a:p>
+          <a:p>
+            <a:pPr lvl="2"/>
+            <a:r>
+              <a:rPr lang="en-US" dirty="0"/>
+              <a:t>Formed as a result of the paperwork crisis in the 1960s</a:t>
+            </a:r>
+          </a:p>
+          <a:p>
+            <a:pPr lvl="1"/>
+            <a:r>
+              <a:rPr lang="en-US" dirty="0"/>
+              <a:t>Not really open</a:t>
+            </a:r>
+          </a:p>
+          <a:p>
+            <a:pPr lvl="1"/>
+            <a:r>
+              <a:rPr lang="en-US" dirty="0"/>
+              <a:t>Changes when company name changes, etc.</a:t>
+            </a:r>
+          </a:p>
+          <a:p>
+            <a:pPr lvl="2"/>
+            <a:r>
+              <a:rPr lang="en-US" dirty="0"/>
+              <a:t>Sort on CUSIP =&gt; sort on Company Name</a:t>
+            </a:r>
+          </a:p>
+          <a:p>
+            <a:pPr lvl="1"/>
+            <a:r>
+              <a:rPr lang="en-US" dirty="0"/>
+              <a:t>9 characters including check digit</a:t>
+            </a:r>
+          </a:p>
+          <a:p>
+            <a:pPr lvl="2"/>
+            <a:r>
+              <a:rPr lang="en-US" dirty="0"/>
+              <a:t>First six characters =&gt; issuer</a:t>
+            </a:r>
+          </a:p>
+          <a:p>
+            <a:pPr lvl="2"/>
+            <a:r>
+              <a:rPr lang="en-US" dirty="0"/>
+              <a:t>7-8 =&gt; issue</a:t>
+            </a:r>
+          </a:p>
+          <a:p>
+            <a:pPr lvl="1"/>
+            <a:r>
+              <a:rPr lang="en-US" dirty="0"/>
+              <a:t>Sometimes re-used; some issuers have more than one six character issuer-level CUSIP</a:t>
+            </a:r>
           </a:p>
         </p:txBody>
       </p:sp>
     </p:spTree>
     <p:extLst>
       <p:ext uri="{BB962C8B-B14F-4D97-AF65-F5344CB8AC3E}">
-        <p14:creationId xmlns:p14="http://schemas.microsoft.com/office/powerpoint/2010/main" val="1702561611"/>
+        <p14:creationId xmlns:p14="http://schemas.microsoft.com/office/powerpoint/2010/main" val="2842903902"/>
       </p:ext>
     </p:extLst>
   </p:cSld>
@@ -3821,7 +3812,7 @@
           <p:cNvPr id="2" name="Title 1">
             <a:extLst>
               <a:ext uri="{FF2B5EF4-FFF2-40B4-BE49-F238E27FC236}">
-                <a16:creationId xmlns:a16="http://schemas.microsoft.com/office/drawing/2014/main" id="{2D2BA2AB-B634-4A1C-9329-1536E1EE7F4B}"/>
+                <a16:creationId xmlns:a16="http://schemas.microsoft.com/office/drawing/2014/main" id="{9A6C444D-04E7-470F-B1B8-84621EE891B8}"/>
               </a:ext>
             </a:extLst>
           </p:cNvPr>
@@ -3839,7 +3830,7 @@
           <a:p>
             <a:r>
               <a:rPr lang="en-US" dirty="0"/>
-              <a:t>Security Identifiers</a:t>
+              <a:t>Entities</a:t>
             </a:r>
           </a:p>
         </p:txBody>
@@ -3849,7 +3840,7 @@
           <p:cNvPr id="3" name="Content Placeholder 2">
             <a:extLst>
               <a:ext uri="{FF2B5EF4-FFF2-40B4-BE49-F238E27FC236}">
-                <a16:creationId xmlns:a16="http://schemas.microsoft.com/office/drawing/2014/main" id="{3DAE8F9F-E426-4253-A39F-190BC15260EA}"/>
+                <a16:creationId xmlns:a16="http://schemas.microsoft.com/office/drawing/2014/main" id="{C094FDE9-D571-46D7-B047-E079D742D4CB}"/>
               </a:ext>
             </a:extLst>
           </p:cNvPr>
@@ -3862,90 +3853,45 @@
         </p:nvSpPr>
         <p:spPr/>
         <p:txBody>
-          <a:bodyPr>
-            <a:normAutofit fontScale="92500" lnSpcReduction="10000"/>
-          </a:bodyPr>
-          <a:lstStyle/>
-          <a:p>
-            <a:r>
-              <a:rPr lang="en-US" dirty="0"/>
-              <a:t>Ticker</a:t>
+          <a:bodyPr/>
+          <a:lstStyle/>
+          <a:p>
+            <a:r>
+              <a:rPr lang="en-US" dirty="0"/>
+              <a:t>Company</a:t>
             </a:r>
           </a:p>
           <a:p>
             <a:pPr lvl="1"/>
             <a:r>
               <a:rPr lang="en-US" dirty="0"/>
-              <a:t>Issued by exchange</a:t>
+              <a:t>Subsidiary</a:t>
             </a:r>
           </a:p>
           <a:p>
             <a:pPr lvl="2"/>
             <a:r>
               <a:rPr lang="en-US" dirty="0"/>
-              <a:t>Same security may have different tickers on different exchanges</a:t>
-            </a:r>
-          </a:p>
-          <a:p>
-            <a:pPr lvl="1"/>
-            <a:r>
-              <a:rPr lang="en-US" dirty="0"/>
-              <a:t>Change often due to name changes or vanity</a:t>
-            </a:r>
-          </a:p>
-          <a:p>
-            <a:r>
-              <a:rPr lang="en-US" dirty="0"/>
-              <a:t>CUSIP Number</a:t>
-            </a:r>
-          </a:p>
-          <a:p>
-            <a:pPr lvl="1"/>
-            <a:r>
-              <a:rPr lang="en-US" dirty="0"/>
-              <a:t>Committee on Uniform Security Identification Procedures	</a:t>
-            </a:r>
-          </a:p>
-          <a:p>
-            <a:pPr lvl="2"/>
-            <a:r>
-              <a:rPr lang="en-US" dirty="0"/>
-              <a:t>Formed as a result of the paperwork crisis in the 1960s</a:t>
-            </a:r>
-          </a:p>
-          <a:p>
-            <a:pPr lvl="1"/>
-            <a:r>
-              <a:rPr lang="en-US" dirty="0"/>
-              <a:t>Not really open</a:t>
-            </a:r>
-          </a:p>
-          <a:p>
-            <a:pPr lvl="1"/>
-            <a:r>
-              <a:rPr lang="en-US" dirty="0"/>
-              <a:t>Changes when company name changes, etc.</a:t>
-            </a:r>
-          </a:p>
-          <a:p>
-            <a:pPr lvl="2"/>
-            <a:r>
-              <a:rPr lang="en-US" dirty="0"/>
-              <a:t>Sort on CUSIP =&gt; sort on Company Name</a:t>
-            </a:r>
-          </a:p>
-          <a:p>
-            <a:pPr lvl="1"/>
-            <a:r>
-              <a:rPr lang="en-US" dirty="0"/>
-              <a:t>9 characters including check digit</a:t>
-            </a:r>
-          </a:p>
-          <a:p>
-            <a:pPr lvl="1"/>
-            <a:r>
-              <a:rPr lang="en-US" dirty="0"/>
-              <a:t>Sometimes re-used</a:t>
+              <a:t>Security</a:t>
+            </a:r>
+          </a:p>
+          <a:p>
+            <a:pPr lvl="3"/>
+            <a:r>
+              <a:rPr lang="en-US" dirty="0"/>
+              <a:t>Exchange</a:t>
+            </a:r>
+          </a:p>
+          <a:p>
+            <a:r>
+              <a:rPr lang="en-US" dirty="0"/>
+              <a:t>Generally one-to-many, but cross-ownership of subsidiaries, etc., happens.</a:t>
+            </a:r>
+          </a:p>
+          <a:p>
+            <a:r>
+              <a:rPr lang="en-US" dirty="0"/>
+              <a:t>Maybe best to represent this as a graph, with entities as nodes and edge properties describing ownership, legal obligations, etc. </a:t>
             </a:r>
           </a:p>
         </p:txBody>
@@ -3953,7 +3899,7 @@
     </p:spTree>
     <p:extLst>
       <p:ext uri="{BB962C8B-B14F-4D97-AF65-F5344CB8AC3E}">
-        <p14:creationId xmlns:p14="http://schemas.microsoft.com/office/powerpoint/2010/main" val="2842903902"/>
+        <p14:creationId xmlns:p14="http://schemas.microsoft.com/office/powerpoint/2010/main" val="4031881453"/>
       </p:ext>
     </p:extLst>
   </p:cSld>
@@ -3985,7 +3931,7 @@
           <p:cNvPr id="2" name="Title 1">
             <a:extLst>
               <a:ext uri="{FF2B5EF4-FFF2-40B4-BE49-F238E27FC236}">
-                <a16:creationId xmlns:a16="http://schemas.microsoft.com/office/drawing/2014/main" id="{9A6C444D-04E7-470F-B1B8-84621EE891B8}"/>
+                <a16:creationId xmlns:a16="http://schemas.microsoft.com/office/drawing/2014/main" id="{08DFC5DB-73FB-4C41-AB87-392C07C5FD0D}"/>
               </a:ext>
             </a:extLst>
           </p:cNvPr>
@@ -4003,7 +3949,7 @@
           <a:p>
             <a:r>
               <a:rPr lang="en-US" dirty="0"/>
-              <a:t>Entities</a:t>
+              <a:t>Matching</a:t>
             </a:r>
           </a:p>
         </p:txBody>
@@ -4013,7 +3959,7 @@
           <p:cNvPr id="3" name="Content Placeholder 2">
             <a:extLst>
               <a:ext uri="{FF2B5EF4-FFF2-40B4-BE49-F238E27FC236}">
-                <a16:creationId xmlns:a16="http://schemas.microsoft.com/office/drawing/2014/main" id="{C094FDE9-D571-46D7-B047-E079D742D4CB}"/>
+                <a16:creationId xmlns:a16="http://schemas.microsoft.com/office/drawing/2014/main" id="{CAF0A699-A88A-4A3E-B7E7-1D8FEFA14054}"/>
               </a:ext>
             </a:extLst>
           </p:cNvPr>
@@ -4031,48 +3977,36 @@
           <a:p>
             <a:r>
               <a:rPr lang="en-US" dirty="0"/>
-              <a:t>Company</a:t>
-            </a:r>
-          </a:p>
-          <a:p>
-            <a:pPr lvl="1"/>
-            <a:r>
-              <a:rPr lang="en-US" dirty="0"/>
-              <a:t>Subsidiary</a:t>
-            </a:r>
-          </a:p>
-          <a:p>
-            <a:pPr lvl="2"/>
-            <a:r>
-              <a:rPr lang="en-US" dirty="0"/>
-              <a:t>Security</a:t>
-            </a:r>
-          </a:p>
-          <a:p>
-            <a:pPr lvl="3"/>
-            <a:r>
-              <a:rPr lang="en-US" dirty="0"/>
-              <a:t>Exchange</a:t>
-            </a:r>
-          </a:p>
-          <a:p>
-            <a:r>
-              <a:rPr lang="en-US" dirty="0"/>
-              <a:t>Generally one-to-many, but cross-ownership of subsidiaries, etc., happens.</a:t>
-            </a:r>
-          </a:p>
-          <a:p>
-            <a:r>
-              <a:rPr lang="en-US" dirty="0"/>
-              <a:t>Maybe best to represent this as a graph, with entities as nodes and edge properties describing ownership, legal obligations, etc. </a:t>
-            </a:r>
+              <a:t>Most data comes with public or quasi-public identifiers attached</a:t>
+            </a:r>
+          </a:p>
+          <a:p>
+            <a:r>
+              <a:rPr lang="en-US" dirty="0"/>
+              <a:t>Match data sets via these public identifiers</a:t>
+            </a:r>
+          </a:p>
+          <a:p>
+            <a:r>
+              <a:rPr lang="en-US" dirty="0"/>
+              <a:t>But, most public IDs change over time.</a:t>
+            </a:r>
+          </a:p>
+          <a:p>
+            <a:r>
+              <a:rPr lang="en-US" dirty="0"/>
+              <a:t>A correct match today doesn’t guarantee a correct match in the past</a:t>
+            </a:r>
+          </a:p>
+          <a:p>
+            <a:endParaRPr lang="en-US" dirty="0"/>
           </a:p>
         </p:txBody>
       </p:sp>
     </p:spTree>
     <p:extLst>
       <p:ext uri="{BB962C8B-B14F-4D97-AF65-F5344CB8AC3E}">
-        <p14:creationId xmlns:p14="http://schemas.microsoft.com/office/powerpoint/2010/main" val="4031881453"/>
+        <p14:creationId xmlns:p14="http://schemas.microsoft.com/office/powerpoint/2010/main" val="4139702850"/>
       </p:ext>
     </p:extLst>
   </p:cSld>
@@ -4104,7 +4038,7 @@
           <p:cNvPr id="2" name="Title 1">
             <a:extLst>
               <a:ext uri="{FF2B5EF4-FFF2-40B4-BE49-F238E27FC236}">
-                <a16:creationId xmlns:a16="http://schemas.microsoft.com/office/drawing/2014/main" id="{08DFC5DB-73FB-4C41-AB87-392C07C5FD0D}"/>
+                <a16:creationId xmlns:a16="http://schemas.microsoft.com/office/drawing/2014/main" id="{00D775C8-A4F3-4EAB-A60D-C5BE8DA554A3}"/>
               </a:ext>
             </a:extLst>
           </p:cNvPr>
@@ -4122,7 +4056,7 @@
           <a:p>
             <a:r>
               <a:rPr lang="en-US" dirty="0"/>
-              <a:t>Matching</a:t>
+              <a:t>Time-series matching</a:t>
             </a:r>
           </a:p>
         </p:txBody>
@@ -4132,7 +4066,7 @@
           <p:cNvPr id="3" name="Content Placeholder 2">
             <a:extLst>
               <a:ext uri="{FF2B5EF4-FFF2-40B4-BE49-F238E27FC236}">
-                <a16:creationId xmlns:a16="http://schemas.microsoft.com/office/drawing/2014/main" id="{CAF0A699-A88A-4A3E-B7E7-1D8FEFA14054}"/>
+                <a16:creationId xmlns:a16="http://schemas.microsoft.com/office/drawing/2014/main" id="{F46FC5AF-4DF4-4528-9C31-12815DAC7957}"/>
               </a:ext>
             </a:extLst>
           </p:cNvPr>
@@ -4150,36 +4084,61 @@
           <a:p>
             <a:r>
               <a:rPr lang="en-US" dirty="0"/>
-              <a:t>Most data comes with public or quasi-public identifiers attached</a:t>
-            </a:r>
-          </a:p>
-          <a:p>
-            <a:r>
-              <a:rPr lang="en-US" dirty="0"/>
-              <a:t>Match data sets via these public identifiers</a:t>
-            </a:r>
-          </a:p>
-          <a:p>
-            <a:r>
-              <a:rPr lang="en-US" dirty="0"/>
-              <a:t>But, most public IDs change over time.</a:t>
-            </a:r>
-          </a:p>
-          <a:p>
-            <a:r>
-              <a:rPr lang="en-US" dirty="0"/>
-              <a:t>A correct match today doesn’t guarantee a correct match in the past</a:t>
-            </a:r>
-          </a:p>
-          <a:p>
-            <a:endParaRPr lang="en-US" dirty="0"/>
+              <a:t>As we've seen, security identifiers change over time</a:t>
+            </a:r>
+          </a:p>
+          <a:p>
+            <a:r>
+              <a:rPr lang="en-US" dirty="0"/>
+              <a:t>Some vendors provide "permanent" IDs to mitigate the effects of name changes, CUSIP changes, ticker changes.</a:t>
+            </a:r>
+          </a:p>
+          <a:p>
+            <a:r>
+              <a:rPr lang="en-US" dirty="0"/>
+              <a:t>Corporate actions cause problems</a:t>
+            </a:r>
+          </a:p>
+          <a:p>
+            <a:pPr lvl="1"/>
+            <a:r>
+              <a:rPr lang="en-US" dirty="0"/>
+              <a:t>Who survives a merger?</a:t>
+            </a:r>
+          </a:p>
+          <a:p>
+            <a:pPr lvl="1"/>
+            <a:r>
+              <a:rPr lang="en-US" dirty="0"/>
+              <a:t>Is the spun-off entity actually the parent?</a:t>
+            </a:r>
+          </a:p>
+          <a:p>
+            <a:pPr lvl="1"/>
+            <a:r>
+              <a:rPr lang="en-US" dirty="0"/>
+              <a:t>Major capital changes</a:t>
+            </a:r>
+          </a:p>
+          <a:p>
+            <a:pPr lvl="2"/>
+            <a:r>
+              <a:rPr lang="en-US" dirty="0"/>
+              <a:t>Often driven by arcane tax rules that don't have a lot of relevance for our use case</a:t>
+            </a:r>
+          </a:p>
+          <a:p>
+            <a:r>
+              <a:rPr lang="en-US" dirty="0"/>
+              <a:t>And what if two different vendors choose differently in the above?</a:t>
+            </a:r>
           </a:p>
         </p:txBody>
       </p:sp>
     </p:spTree>
     <p:extLst>
       <p:ext uri="{BB962C8B-B14F-4D97-AF65-F5344CB8AC3E}">
-        <p14:creationId xmlns:p14="http://schemas.microsoft.com/office/powerpoint/2010/main" val="4139702850"/>
+        <p14:creationId xmlns:p14="http://schemas.microsoft.com/office/powerpoint/2010/main" val="151679832"/>
       </p:ext>
     </p:extLst>
   </p:cSld>
@@ -4211,7 +4170,7 @@
           <p:cNvPr id="2" name="Title 1">
             <a:extLst>
               <a:ext uri="{FF2B5EF4-FFF2-40B4-BE49-F238E27FC236}">
-                <a16:creationId xmlns:a16="http://schemas.microsoft.com/office/drawing/2014/main" id="{00D775C8-A4F3-4EAB-A60D-C5BE8DA554A3}"/>
+                <a16:creationId xmlns:a16="http://schemas.microsoft.com/office/drawing/2014/main" id="{C8B3F8BB-FFC5-49BB-91D3-F91CBD780E6F}"/>
               </a:ext>
             </a:extLst>
           </p:cNvPr>
@@ -4229,7 +4188,7 @@
           <a:p>
             <a:r>
               <a:rPr lang="en-US" dirty="0"/>
-              <a:t>Time-series matching</a:t>
+              <a:t>Time-series permanent matching</a:t>
             </a:r>
           </a:p>
         </p:txBody>
@@ -4239,7 +4198,7 @@
           <p:cNvPr id="3" name="Content Placeholder 2">
             <a:extLst>
               <a:ext uri="{FF2B5EF4-FFF2-40B4-BE49-F238E27FC236}">
-                <a16:creationId xmlns:a16="http://schemas.microsoft.com/office/drawing/2014/main" id="{F46FC5AF-4DF4-4528-9C31-12815DAC7957}"/>
+                <a16:creationId xmlns:a16="http://schemas.microsoft.com/office/drawing/2014/main" id="{A41CB290-0BC7-4DD4-836B-D073C8F4E9C2}"/>
               </a:ext>
             </a:extLst>
           </p:cNvPr>
@@ -4252,66 +4211,91 @@
         </p:nvSpPr>
         <p:spPr/>
         <p:txBody>
-          <a:bodyPr/>
-          <a:lstStyle/>
-          <a:p>
-            <a:r>
-              <a:rPr lang="en-US" dirty="0"/>
-              <a:t>As we've seen, security identifiers change over time</a:t>
-            </a:r>
-          </a:p>
-          <a:p>
-            <a:r>
-              <a:rPr lang="en-US" dirty="0"/>
-              <a:t>Some vendors provide "permanent" IDs to mitigate the effects of name changes, CUSIP changes, ticker changes.</a:t>
-            </a:r>
-          </a:p>
-          <a:p>
-            <a:r>
-              <a:rPr lang="en-US" dirty="0"/>
-              <a:t>Corporate actions cause problems</a:t>
+          <a:bodyPr>
+            <a:normAutofit/>
+          </a:bodyPr>
+          <a:lstStyle/>
+          <a:p>
+            <a:r>
+              <a:rPr lang="en-US" dirty="0"/>
+              <a:t>Slow-moving</a:t>
             </a:r>
           </a:p>
           <a:p>
             <a:pPr lvl="1"/>
             <a:r>
               <a:rPr lang="en-US" dirty="0"/>
-              <a:t>Who survives a merger?</a:t>
-            </a:r>
+              <a:t>Thankfully companies don't change this stuff very often</a:t>
+            </a:r>
+          </a:p>
+          <a:p>
+            <a:r>
+              <a:rPr lang="en-US" dirty="0"/>
+              <a:t>Need a full time-series mapping across all potential data sources</a:t>
+            </a:r>
+          </a:p>
+          <a:p>
+            <a:r>
+              <a:rPr lang="en-US" dirty="0"/>
+              <a:t>Source1, ID1, Source2, ID2, </a:t>
+            </a:r>
+            <a:r>
+              <a:rPr lang="en-US" dirty="0" err="1"/>
+              <a:t>BeginDate</a:t>
+            </a:r>
+            <a:r>
+              <a:rPr lang="en-US" dirty="0"/>
+              <a:t>, </a:t>
+            </a:r>
+            <a:r>
+              <a:rPr lang="en-US" dirty="0" err="1"/>
+              <a:t>EndDate</a:t>
+            </a:r>
+            <a:endParaRPr lang="en-US" dirty="0"/>
           </a:p>
           <a:p>
             <a:pPr lvl="1"/>
             <a:r>
               <a:rPr lang="en-US" dirty="0"/>
-              <a:t>Is the spun-off entity actually the parent?</a:t>
+              <a:t>Need to have QA to ensure no duplicate mappings at any given time.</a:t>
+            </a:r>
+          </a:p>
+          <a:p>
+            <a:r>
+              <a:rPr lang="en-US" dirty="0"/>
+              <a:t>Should you create your own permanent ID? </a:t>
             </a:r>
           </a:p>
           <a:p>
             <a:pPr lvl="1"/>
             <a:r>
               <a:rPr lang="en-US" dirty="0"/>
-              <a:t>Major capital changes</a:t>
+              <a:t>Probably; it's really convenient =&gt; query simplicity, but you have to maintain it. </a:t>
+            </a:r>
+          </a:p>
+          <a:p>
+            <a:pPr lvl="1"/>
+            <a:r>
+              <a:rPr lang="en-US" dirty="0"/>
+              <a:t>Could be just your "primary" vendor's ID</a:t>
             </a:r>
           </a:p>
           <a:p>
             <a:pPr lvl="2"/>
             <a:r>
               <a:rPr lang="en-US" dirty="0"/>
-              <a:t>Often driven by arcane tax rules that don't have a lot of relevance for our use case</a:t>
-            </a:r>
-          </a:p>
-          <a:p>
-            <a:r>
-              <a:rPr lang="en-US" dirty="0"/>
-              <a:t>And what if two different vendors choose differently in the above?</a:t>
-            </a:r>
+              <a:t>Problem if you later drop that vendor</a:t>
+            </a:r>
+          </a:p>
+          <a:p>
+            <a:endParaRPr lang="en-US" dirty="0"/>
           </a:p>
         </p:txBody>
       </p:sp>
     </p:spTree>
     <p:extLst>
       <p:ext uri="{BB962C8B-B14F-4D97-AF65-F5344CB8AC3E}">
-        <p14:creationId xmlns:p14="http://schemas.microsoft.com/office/powerpoint/2010/main" val="151679832"/>
+        <p14:creationId xmlns:p14="http://schemas.microsoft.com/office/powerpoint/2010/main" val="2761199014"/>
       </p:ext>
     </p:extLst>
   </p:cSld>
@@ -4343,7 +4327,7 @@
           <p:cNvPr id="2" name="Title 1">
             <a:extLst>
               <a:ext uri="{FF2B5EF4-FFF2-40B4-BE49-F238E27FC236}">
-                <a16:creationId xmlns:a16="http://schemas.microsoft.com/office/drawing/2014/main" id="{C8B3F8BB-FFC5-49BB-91D3-F91CBD780E6F}"/>
+                <a16:creationId xmlns:a16="http://schemas.microsoft.com/office/drawing/2014/main" id="{BB659553-67BF-4A76-B360-F6E377BA909F}"/>
               </a:ext>
             </a:extLst>
           </p:cNvPr>
@@ -4361,7 +4345,7 @@
           <a:p>
             <a:r>
               <a:rPr lang="en-US" dirty="0"/>
-              <a:t>Time-series permanent matching</a:t>
+              <a:t>Access	</a:t>
             </a:r>
           </a:p>
         </p:txBody>
@@ -4371,7 +4355,7 @@
           <p:cNvPr id="3" name="Content Placeholder 2">
             <a:extLst>
               <a:ext uri="{FF2B5EF4-FFF2-40B4-BE49-F238E27FC236}">
-                <a16:creationId xmlns:a16="http://schemas.microsoft.com/office/drawing/2014/main" id="{A41CB290-0BC7-4DD4-836B-D073C8F4E9C2}"/>
+                <a16:creationId xmlns:a16="http://schemas.microsoft.com/office/drawing/2014/main" id="{8067B1E4-0F90-4486-B798-EE47B0A9A68C}"/>
               </a:ext>
             </a:extLst>
           </p:cNvPr>
@@ -4384,91 +4368,48 @@
         </p:nvSpPr>
         <p:spPr/>
         <p:txBody>
-          <a:bodyPr>
-            <a:normAutofit/>
-          </a:bodyPr>
-          <a:lstStyle/>
-          <a:p>
-            <a:r>
-              <a:rPr lang="en-US" dirty="0"/>
-              <a:t>Slow-moving</a:t>
+          <a:bodyPr/>
+          <a:lstStyle/>
+          <a:p>
+            <a:r>
+              <a:rPr lang="en-US" dirty="0"/>
+              <a:t>Need a function which returns a </a:t>
+            </a:r>
+            <a:r>
+              <a:rPr lang="en-US" i="1" dirty="0"/>
+              <a:t>time series </a:t>
+            </a:r>
+            <a:r>
+              <a:rPr lang="en-US" dirty="0"/>
+              <a:t>of identifiers for a given vendor's permanent identifier.</a:t>
+            </a:r>
+          </a:p>
+          <a:p>
+            <a:r>
+              <a:rPr lang="en-US" dirty="0"/>
+              <a:t>Then, you'll need to use this to do a temporal join to data associated with that identifier time series</a:t>
             </a:r>
           </a:p>
           <a:p>
             <a:pPr lvl="1"/>
             <a:r>
               <a:rPr lang="en-US" dirty="0"/>
-              <a:t>Thankfully companies don't change this stuff very often</a:t>
-            </a:r>
-          </a:p>
-          <a:p>
-            <a:r>
-              <a:rPr lang="en-US" dirty="0"/>
-              <a:t>Need a full time-series mapping across all potential data sources</a:t>
-            </a:r>
-          </a:p>
-          <a:p>
-            <a:r>
-              <a:rPr lang="en-US" dirty="0"/>
-              <a:t>Source1, ID1, Source2, ID2, </a:t>
-            </a:r>
-            <a:r>
-              <a:rPr lang="en-US" dirty="0" err="1"/>
-              <a:t>BeginDate</a:t>
-            </a:r>
-            <a:r>
-              <a:rPr lang="en-US" dirty="0"/>
-              <a:t>, </a:t>
-            </a:r>
-            <a:r>
-              <a:rPr lang="en-US" dirty="0" err="1"/>
-              <a:t>EndDate</a:t>
-            </a:r>
-            <a:endParaRPr lang="en-US" dirty="0"/>
+              <a:t>SAP HANA has this natively</a:t>
+            </a:r>
           </a:p>
           <a:p>
             <a:pPr lvl="1"/>
             <a:r>
               <a:rPr lang="en-US" dirty="0"/>
-              <a:t>Need to have QA to ensure no duplicate mappings at any given time.</a:t>
-            </a:r>
-          </a:p>
-          <a:p>
-            <a:r>
-              <a:rPr lang="en-US" dirty="0"/>
-              <a:t>Should you create your own permanent ID? </a:t>
-            </a:r>
-          </a:p>
-          <a:p>
-            <a:pPr lvl="1"/>
-            <a:r>
-              <a:rPr lang="en-US" dirty="0"/>
-              <a:t>Probably; it's really convenient =&gt; query simplicity, but you have to maintain it. </a:t>
-            </a:r>
-          </a:p>
-          <a:p>
-            <a:pPr lvl="1"/>
-            <a:r>
-              <a:rPr lang="en-US" dirty="0"/>
-              <a:t>Could be just your "primary" vendor's ID</a:t>
-            </a:r>
-          </a:p>
-          <a:p>
-            <a:pPr lvl="2"/>
-            <a:r>
-              <a:rPr lang="en-US" dirty="0"/>
-              <a:t>Problem if you later drop that vendor</a:t>
-            </a:r>
-          </a:p>
-          <a:p>
-            <a:endParaRPr lang="en-US" dirty="0"/>
+              <a:t>Or roll your own – it's easy to make this slow.</a:t>
+            </a:r>
           </a:p>
         </p:txBody>
       </p:sp>
     </p:spTree>
     <p:extLst>
       <p:ext uri="{BB962C8B-B14F-4D97-AF65-F5344CB8AC3E}">
-        <p14:creationId xmlns:p14="http://schemas.microsoft.com/office/powerpoint/2010/main" val="2761199014"/>
+        <p14:creationId xmlns:p14="http://schemas.microsoft.com/office/powerpoint/2010/main" val="3554993845"/>
       </p:ext>
     </p:extLst>
   </p:cSld>
@@ -4500,7 +4441,7 @@
           <p:cNvPr id="2" name="Title 1">
             <a:extLst>
               <a:ext uri="{FF2B5EF4-FFF2-40B4-BE49-F238E27FC236}">
-                <a16:creationId xmlns:a16="http://schemas.microsoft.com/office/drawing/2014/main" id="{BB659553-67BF-4A76-B360-F6E377BA909F}"/>
+                <a16:creationId xmlns:a16="http://schemas.microsoft.com/office/drawing/2014/main" id="{9CF32B3D-03BD-4B28-8B9F-159D021838BF}"/>
               </a:ext>
             </a:extLst>
           </p:cNvPr>
@@ -4518,7 +4459,7 @@
           <a:p>
             <a:r>
               <a:rPr lang="en-US" dirty="0"/>
-              <a:t>Access	</a:t>
+              <a:t>"Primary" security/trading venue</a:t>
             </a:r>
           </a:p>
         </p:txBody>
@@ -4528,7 +4469,7 @@
           <p:cNvPr id="3" name="Content Placeholder 2">
             <a:extLst>
               <a:ext uri="{FF2B5EF4-FFF2-40B4-BE49-F238E27FC236}">
-                <a16:creationId xmlns:a16="http://schemas.microsoft.com/office/drawing/2014/main" id="{8067B1E4-0F90-4486-B798-EE47B0A9A68C}"/>
+                <a16:creationId xmlns:a16="http://schemas.microsoft.com/office/drawing/2014/main" id="{B3C4EDF2-1ABD-45FE-A968-4D728B774E0E}"/>
               </a:ext>
             </a:extLst>
           </p:cNvPr>
@@ -4546,35 +4487,27 @@
           <a:p>
             <a:r>
               <a:rPr lang="en-US" dirty="0"/>
-              <a:t>Need a function which returns a </a:t>
-            </a:r>
-            <a:r>
-              <a:rPr lang="en-US" i="1" dirty="0"/>
-              <a:t>time series </a:t>
-            </a:r>
-            <a:r>
-              <a:rPr lang="en-US" dirty="0"/>
-              <a:t>of identifiers for a given vendor's permanent identifier.</a:t>
-            </a:r>
-          </a:p>
-          <a:p>
-            <a:r>
-              <a:rPr lang="en-US" dirty="0"/>
-              <a:t>Then, you'll need to use this to do a temporal join to data associated with that identifier time series</a:t>
+              <a:t>You probably want to buy the "primary" security on the "primary" exchange</a:t>
+            </a:r>
+          </a:p>
+          <a:p>
+            <a:r>
+              <a:rPr lang="en-US" dirty="0"/>
+              <a:t>How to define it? </a:t>
             </a:r>
           </a:p>
           <a:p>
             <a:pPr lvl="1"/>
             <a:r>
               <a:rPr lang="en-US" dirty="0"/>
-              <a:t>SAP HANA has this natively</a:t>
+              <a:t>Multiple share classes, maybe some voting, some not</a:t>
             </a:r>
           </a:p>
           <a:p>
             <a:pPr lvl="1"/>
             <a:r>
               <a:rPr lang="en-US" dirty="0"/>
-              <a:t>Or roll your own – it's easy to make this slow.</a:t>
+              <a:t>Multiple exchanges. Largest volume? Local currency?</a:t>
             </a:r>
           </a:p>
         </p:txBody>
@@ -4582,7 +4515,7 @@
     </p:spTree>
     <p:extLst>
       <p:ext uri="{BB962C8B-B14F-4D97-AF65-F5344CB8AC3E}">
-        <p14:creationId xmlns:p14="http://schemas.microsoft.com/office/powerpoint/2010/main" val="3554993845"/>
+        <p14:creationId xmlns:p14="http://schemas.microsoft.com/office/powerpoint/2010/main" val="3312153084"/>
       </p:ext>
     </p:extLst>
   </p:cSld>

--- a/companymaster.pptx
+++ b/companymaster.pptx
@@ -5,15 +5,16 @@
     <p:sldMasterId id="2147483648" r:id="rId1"/>
   </p:sldMasterIdLst>
   <p:sldIdLst>
-    <p:sldId id="257" r:id="rId2"/>
-    <p:sldId id="259" r:id="rId3"/>
-    <p:sldId id="258" r:id="rId4"/>
-    <p:sldId id="260" r:id="rId5"/>
-    <p:sldId id="264" r:id="rId6"/>
-    <p:sldId id="261" r:id="rId7"/>
-    <p:sldId id="262" r:id="rId8"/>
-    <p:sldId id="265" r:id="rId9"/>
-    <p:sldId id="263" r:id="rId10"/>
+    <p:sldId id="266" r:id="rId2"/>
+    <p:sldId id="257" r:id="rId3"/>
+    <p:sldId id="259" r:id="rId4"/>
+    <p:sldId id="258" r:id="rId5"/>
+    <p:sldId id="260" r:id="rId6"/>
+    <p:sldId id="264" r:id="rId7"/>
+    <p:sldId id="261" r:id="rId8"/>
+    <p:sldId id="262" r:id="rId9"/>
+    <p:sldId id="265" r:id="rId10"/>
+    <p:sldId id="263" r:id="rId11"/>
   </p:sldIdLst>
   <p:sldSz cx="12192000" cy="6858000"/>
   <p:notesSz cx="6858000" cy="9144000"/>
@@ -3340,146 +3341,171 @@
       </p:grpSpPr>
       <p:sp>
         <p:nvSpPr>
-          <p:cNvPr id="2" name="Title 1">
-            <a:extLst>
-              <a:ext uri="{FF2B5EF4-FFF2-40B4-BE49-F238E27FC236}">
-                <a16:creationId xmlns:a16="http://schemas.microsoft.com/office/drawing/2014/main" id="{D519F9DA-0C2D-46CA-BC0C-C9C6C677B4CE}"/>
-              </a:ext>
-            </a:extLst>
-          </p:cNvPr>
-          <p:cNvSpPr>
-            <a:spLocks noGrp="1"/>
-          </p:cNvSpPr>
-          <p:nvPr>
-            <p:ph type="title"/>
-          </p:nvPr>
-        </p:nvSpPr>
-        <p:spPr/>
-        <p:txBody>
-          <a:bodyPr/>
-          <a:lstStyle/>
-          <a:p>
-            <a:r>
-              <a:rPr lang="en-US" dirty="0"/>
-              <a:t>Motivation</a:t>
-            </a:r>
-          </a:p>
-        </p:txBody>
-      </p:sp>
-      <p:sp>
-        <p:nvSpPr>
-          <p:cNvPr id="3" name="Content Placeholder 2">
-            <a:extLst>
-              <a:ext uri="{FF2B5EF4-FFF2-40B4-BE49-F238E27FC236}">
-                <a16:creationId xmlns:a16="http://schemas.microsoft.com/office/drawing/2014/main" id="{6663A151-0BEE-4B0F-9804-074C2C64F23B}"/>
-              </a:ext>
-            </a:extLst>
-          </p:cNvPr>
-          <p:cNvSpPr>
-            <a:spLocks noGrp="1"/>
-          </p:cNvSpPr>
-          <p:nvPr>
-            <p:ph idx="1"/>
-          </p:nvPr>
-        </p:nvSpPr>
-        <p:spPr/>
-        <p:txBody>
-          <a:bodyPr>
-            <a:normAutofit fontScale="85000" lnSpcReduction="20000"/>
-          </a:bodyPr>
-          <a:lstStyle/>
-          <a:p>
-            <a:r>
-              <a:rPr lang="en-US" dirty="0"/>
-              <a:t>We'd like to invest in companies</a:t>
-            </a:r>
-          </a:p>
-          <a:p>
-            <a:pPr lvl="1"/>
-            <a:r>
-              <a:rPr lang="en-US" dirty="0"/>
-              <a:t>Through stocks or bonds or even derivatives on those like options and CDS</a:t>
-            </a:r>
-          </a:p>
-          <a:p>
-            <a:r>
-              <a:rPr lang="en-US" dirty="0"/>
-              <a:t>To do so, we need to aggregate information about companies</a:t>
-            </a:r>
-          </a:p>
-          <a:p>
-            <a:pPr lvl="1"/>
-            <a:r>
-              <a:rPr lang="en-US" dirty="0"/>
-              <a:t>And make sure all the information is talking about the same thing</a:t>
-            </a:r>
-          </a:p>
-          <a:p>
-            <a:pPr lvl="1"/>
-            <a:r>
-              <a:rPr lang="en-US" dirty="0"/>
-              <a:t>And know how to find the stocks and bonds issued by the company</a:t>
-            </a:r>
-          </a:p>
-          <a:p>
-            <a:r>
-              <a:rPr lang="en-US" dirty="0"/>
-              <a:t>Information comes from disparate vendors and governments</a:t>
-            </a:r>
-          </a:p>
-          <a:p>
-            <a:pPr lvl="1"/>
-            <a:r>
-              <a:rPr lang="en-US" dirty="0"/>
-              <a:t>They don't all agree on how companies and securities should be identified</a:t>
-            </a:r>
-          </a:p>
-          <a:p>
-            <a:r>
-              <a:rPr lang="en-US" dirty="0"/>
-              <a:t>To test our models, we need all this for decades in the past</a:t>
-            </a:r>
-          </a:p>
-          <a:p>
-            <a:pPr lvl="1"/>
-            <a:r>
-              <a:rPr lang="en-US" dirty="0"/>
-              <a:t>CRSP: 1962</a:t>
-            </a:r>
-          </a:p>
-          <a:p>
-            <a:pPr lvl="1"/>
-            <a:r>
-              <a:rPr lang="en-US" dirty="0"/>
-              <a:t>The more the better due to dimensionality</a:t>
-            </a:r>
-          </a:p>
-          <a:p>
-            <a:pPr lvl="1"/>
-            <a:r>
-              <a:rPr lang="en-US" dirty="0"/>
-              <a:t>Guard against survivor bias, lookahead bias</a:t>
-            </a:r>
-          </a:p>
-          <a:p>
-            <a:pPr lvl="2"/>
-            <a:r>
-              <a:rPr lang="en-US" dirty="0"/>
-              <a:t>Means we need bankrupt companies, companies that are now private, companies acquired in the past, etc. </a:t>
-            </a:r>
-          </a:p>
-          <a:p>
-            <a:r>
-              <a:rPr lang="en-US" dirty="0"/>
-              <a:t>Scope: US Public Companies</a:t>
-            </a:r>
+          <p:cNvPr id="4" name="Title 3">
+            <a:extLst>
+              <a:ext uri="{FF2B5EF4-FFF2-40B4-BE49-F238E27FC236}">
+                <a16:creationId xmlns:a16="http://schemas.microsoft.com/office/drawing/2014/main" id="{C06A3FB2-29DF-493C-93A4-5A7BD0235010}"/>
+              </a:ext>
+            </a:extLst>
+          </p:cNvPr>
+          <p:cNvSpPr>
+            <a:spLocks noGrp="1"/>
+          </p:cNvSpPr>
+          <p:nvPr>
+            <p:ph type="ctrTitle"/>
+          </p:nvPr>
+        </p:nvSpPr>
+        <p:spPr/>
+        <p:txBody>
+          <a:bodyPr/>
+          <a:lstStyle/>
+          <a:p>
+            <a:r>
+              <a:rPr lang="en-US" dirty="0"/>
+              <a:t>Company and </a:t>
+            </a:r>
+            <a:r>
+              <a:rPr lang="en-US"/>
+              <a:t>Security Mastering</a:t>
+            </a:r>
+          </a:p>
+        </p:txBody>
+      </p:sp>
+      <p:sp>
+        <p:nvSpPr>
+          <p:cNvPr id="5" name="Subtitle 4">
+            <a:extLst>
+              <a:ext uri="{FF2B5EF4-FFF2-40B4-BE49-F238E27FC236}">
+                <a16:creationId xmlns:a16="http://schemas.microsoft.com/office/drawing/2014/main" id="{A11C1546-6421-4FBF-A77C-088A23046C68}"/>
+              </a:ext>
+            </a:extLst>
+          </p:cNvPr>
+          <p:cNvSpPr>
+            <a:spLocks noGrp="1"/>
+          </p:cNvSpPr>
+          <p:nvPr>
+            <p:ph type="subTitle" idx="1"/>
+          </p:nvPr>
+        </p:nvSpPr>
+        <p:spPr/>
+        <p:txBody>
+          <a:bodyPr/>
+          <a:lstStyle/>
+          <a:p>
+            <a:endParaRPr lang="en-US"/>
           </a:p>
         </p:txBody>
       </p:sp>
     </p:spTree>
     <p:extLst>
       <p:ext uri="{BB962C8B-B14F-4D97-AF65-F5344CB8AC3E}">
-        <p14:creationId xmlns:p14="http://schemas.microsoft.com/office/powerpoint/2010/main" val="1677674713"/>
+        <p14:creationId xmlns:p14="http://schemas.microsoft.com/office/powerpoint/2010/main" val="3681721659"/>
+      </p:ext>
+    </p:extLst>
+  </p:cSld>
+  <p:clrMapOvr>
+    <a:masterClrMapping/>
+  </p:clrMapOvr>
+</p:sld>
+</file>
+
+<file path=ppt/slides/slide10.xml><?xml version="1.0" encoding="utf-8"?>
+<p:sld xmlns:a="http://schemas.openxmlformats.org/drawingml/2006/main" xmlns:r="http://schemas.openxmlformats.org/officeDocument/2006/relationships" xmlns:p="http://schemas.openxmlformats.org/presentationml/2006/main">
+  <p:cSld>
+    <p:spTree>
+      <p:nvGrpSpPr>
+        <p:cNvPr id="1" name=""/>
+        <p:cNvGrpSpPr/>
+        <p:nvPr/>
+      </p:nvGrpSpPr>
+      <p:grpSpPr>
+        <a:xfrm>
+          <a:off x="0" y="0"/>
+          <a:ext cx="0" cy="0"/>
+          <a:chOff x="0" y="0"/>
+          <a:chExt cx="0" cy="0"/>
+        </a:xfrm>
+      </p:grpSpPr>
+      <p:sp>
+        <p:nvSpPr>
+          <p:cNvPr id="2" name="Title 1">
+            <a:extLst>
+              <a:ext uri="{FF2B5EF4-FFF2-40B4-BE49-F238E27FC236}">
+                <a16:creationId xmlns:a16="http://schemas.microsoft.com/office/drawing/2014/main" id="{9CF32B3D-03BD-4B28-8B9F-159D021838BF}"/>
+              </a:ext>
+            </a:extLst>
+          </p:cNvPr>
+          <p:cNvSpPr>
+            <a:spLocks noGrp="1"/>
+          </p:cNvSpPr>
+          <p:nvPr>
+            <p:ph type="title"/>
+          </p:nvPr>
+        </p:nvSpPr>
+        <p:spPr/>
+        <p:txBody>
+          <a:bodyPr/>
+          <a:lstStyle/>
+          <a:p>
+            <a:r>
+              <a:rPr lang="en-US" dirty="0"/>
+              <a:t>"Primary" security/trading venue</a:t>
+            </a:r>
+          </a:p>
+        </p:txBody>
+      </p:sp>
+      <p:sp>
+        <p:nvSpPr>
+          <p:cNvPr id="3" name="Content Placeholder 2">
+            <a:extLst>
+              <a:ext uri="{FF2B5EF4-FFF2-40B4-BE49-F238E27FC236}">
+                <a16:creationId xmlns:a16="http://schemas.microsoft.com/office/drawing/2014/main" id="{B3C4EDF2-1ABD-45FE-A968-4D728B774E0E}"/>
+              </a:ext>
+            </a:extLst>
+          </p:cNvPr>
+          <p:cNvSpPr>
+            <a:spLocks noGrp="1"/>
+          </p:cNvSpPr>
+          <p:nvPr>
+            <p:ph idx="1"/>
+          </p:nvPr>
+        </p:nvSpPr>
+        <p:spPr/>
+        <p:txBody>
+          <a:bodyPr/>
+          <a:lstStyle/>
+          <a:p>
+            <a:r>
+              <a:rPr lang="en-US" dirty="0"/>
+              <a:t>You probably want to buy the "primary" security on the "primary" exchange</a:t>
+            </a:r>
+          </a:p>
+          <a:p>
+            <a:r>
+              <a:rPr lang="en-US" dirty="0"/>
+              <a:t>How to define it? </a:t>
+            </a:r>
+          </a:p>
+          <a:p>
+            <a:pPr lvl="1"/>
+            <a:r>
+              <a:rPr lang="en-US" dirty="0"/>
+              <a:t>Multiple share classes, maybe some voting, some not</a:t>
+            </a:r>
+          </a:p>
+          <a:p>
+            <a:pPr lvl="1"/>
+            <a:r>
+              <a:rPr lang="en-US" dirty="0"/>
+              <a:t>Multiple exchanges. Largest volume? Local currency?</a:t>
+            </a:r>
+          </a:p>
+        </p:txBody>
+      </p:sp>
+    </p:spTree>
+    <p:extLst>
+      <p:ext uri="{BB962C8B-B14F-4D97-AF65-F5344CB8AC3E}">
+        <p14:creationId xmlns:p14="http://schemas.microsoft.com/office/powerpoint/2010/main" val="3312153084"/>
       </p:ext>
     </p:extLst>
   </p:cSld>
@@ -3511,7 +3537,7 @@
           <p:cNvPr id="2" name="Title 1">
             <a:extLst>
               <a:ext uri="{FF2B5EF4-FFF2-40B4-BE49-F238E27FC236}">
-                <a16:creationId xmlns:a16="http://schemas.microsoft.com/office/drawing/2014/main" id="{A404F97B-57A9-42E0-AF61-BF5591A57F28}"/>
+                <a16:creationId xmlns:a16="http://schemas.microsoft.com/office/drawing/2014/main" id="{D519F9DA-0C2D-46CA-BC0C-C9C6C677B4CE}"/>
               </a:ext>
             </a:extLst>
           </p:cNvPr>
@@ -3529,7 +3555,7 @@
           <a:p>
             <a:r>
               <a:rPr lang="en-US" dirty="0"/>
-              <a:t>Company Identifiers</a:t>
+              <a:t>Motivation</a:t>
             </a:r>
           </a:p>
         </p:txBody>
@@ -3539,7 +3565,7 @@
           <p:cNvPr id="3" name="Content Placeholder 2">
             <a:extLst>
               <a:ext uri="{FF2B5EF4-FFF2-40B4-BE49-F238E27FC236}">
-                <a16:creationId xmlns:a16="http://schemas.microsoft.com/office/drawing/2014/main" id="{5E9E375F-504F-4E69-B73B-E58541A5A299}"/>
+                <a16:creationId xmlns:a16="http://schemas.microsoft.com/office/drawing/2014/main" id="{6663A151-0BEE-4B0F-9804-074C2C64F23B}"/>
               </a:ext>
             </a:extLst>
           </p:cNvPr>
@@ -3552,57 +3578,102 @@
         </p:nvSpPr>
         <p:spPr/>
         <p:txBody>
-          <a:bodyPr/>
-          <a:lstStyle/>
-          <a:p>
-            <a:r>
-              <a:rPr lang="en-US" dirty="0"/>
-              <a:t>Name(?)</a:t>
-            </a:r>
-          </a:p>
-          <a:p>
-            <a:r>
-              <a:rPr lang="en-US" dirty="0"/>
-              <a:t>SEC Central Index Key (CIK)</a:t>
-            </a:r>
-          </a:p>
-          <a:p>
-            <a:r>
-              <a:rPr lang="en-US" dirty="0"/>
-              <a:t>Dunn &amp; Bradstreet Number (D-U-N-S)</a:t>
+          <a:bodyPr>
+            <a:normAutofit fontScale="85000" lnSpcReduction="20000"/>
+          </a:bodyPr>
+          <a:lstStyle/>
+          <a:p>
+            <a:r>
+              <a:rPr lang="en-US" dirty="0"/>
+              <a:t>We'd like to invest in companies</a:t>
             </a:r>
           </a:p>
           <a:p>
             <a:pPr lvl="1"/>
             <a:r>
               <a:rPr lang="en-US" dirty="0"/>
-              <a:t>Really not open!</a:t>
-            </a:r>
-          </a:p>
-          <a:p>
-            <a:r>
-              <a:rPr lang="en-US" dirty="0"/>
-              <a:t>EIN</a:t>
-            </a:r>
-          </a:p>
-          <a:p>
-            <a:r>
-              <a:rPr lang="en-US" dirty="0"/>
-              <a:t>Delaware registration</a:t>
-            </a:r>
-          </a:p>
-          <a:p>
-            <a:endParaRPr lang="en-US" dirty="0"/>
-          </a:p>
-          <a:p>
-            <a:endParaRPr lang="en-US" dirty="0"/>
+              <a:t>Through stocks or bonds or even derivatives on those like options and CDS</a:t>
+            </a:r>
+          </a:p>
+          <a:p>
+            <a:r>
+              <a:rPr lang="en-US" dirty="0"/>
+              <a:t>To do so, we need to aggregate information about companies</a:t>
+            </a:r>
+          </a:p>
+          <a:p>
+            <a:pPr lvl="1"/>
+            <a:r>
+              <a:rPr lang="en-US" dirty="0"/>
+              <a:t>And make sure all the information is talking about the same thing</a:t>
+            </a:r>
+          </a:p>
+          <a:p>
+            <a:pPr lvl="1"/>
+            <a:r>
+              <a:rPr lang="en-US" dirty="0"/>
+              <a:t>And know how to find the stocks and bonds issued by the company</a:t>
+            </a:r>
+          </a:p>
+          <a:p>
+            <a:r>
+              <a:rPr lang="en-US" dirty="0"/>
+              <a:t>Information comes from disparate vendors and governments</a:t>
+            </a:r>
+          </a:p>
+          <a:p>
+            <a:pPr lvl="1"/>
+            <a:r>
+              <a:rPr lang="en-US" dirty="0"/>
+              <a:t>They don't all agree on how companies and securities should be identified</a:t>
+            </a:r>
+          </a:p>
+          <a:p>
+            <a:r>
+              <a:rPr lang="en-US" dirty="0"/>
+              <a:t>To test our models, we need all this for decades in the past</a:t>
+            </a:r>
+          </a:p>
+          <a:p>
+            <a:pPr lvl="1"/>
+            <a:r>
+              <a:rPr lang="en-US" dirty="0"/>
+              <a:t>CRSP: 1962</a:t>
+            </a:r>
+          </a:p>
+          <a:p>
+            <a:pPr lvl="1"/>
+            <a:r>
+              <a:rPr lang="en-US" dirty="0"/>
+              <a:t>The more the better due to dimensionality</a:t>
+            </a:r>
+          </a:p>
+          <a:p>
+            <a:pPr lvl="1"/>
+            <a:r>
+              <a:rPr lang="en-US" dirty="0"/>
+              <a:t>Guard against survivor bias, lookahead bias</a:t>
+            </a:r>
+          </a:p>
+          <a:p>
+            <a:pPr lvl="2"/>
+            <a:r>
+              <a:rPr lang="en-US" dirty="0"/>
+              <a:t>Means we need bankrupt companies, companies that are now private, companies acquired in the past, etc. </a:t>
+            </a:r>
+          </a:p>
+          <a:p>
+            <a:r>
+              <a:rPr lang="en-US" dirty="0"/>
+              <a:t>Scope: US Public Companies</a:t>
+            </a:r>
           </a:p>
         </p:txBody>
       </p:sp>
     </p:spTree>
     <p:extLst>
       <p:ext uri="{BB962C8B-B14F-4D97-AF65-F5344CB8AC3E}">
-        <p14:creationId xmlns:p14="http://schemas.microsoft.com/office/powerpoint/2010/main" val="1702561611"/>
+        <p14:creationId xmlns:p14="http://schemas.microsoft.com/office/powerpoint/2010/main" val="1677674713"/>
       </p:ext>
     </p:extLst>
   </p:cSld>
@@ -3634,7 +3705,7 @@
           <p:cNvPr id="2" name="Title 1">
             <a:extLst>
               <a:ext uri="{FF2B5EF4-FFF2-40B4-BE49-F238E27FC236}">
-                <a16:creationId xmlns:a16="http://schemas.microsoft.com/office/drawing/2014/main" id="{2D2BA2AB-B634-4A1C-9329-1536E1EE7F4B}"/>
+                <a16:creationId xmlns:a16="http://schemas.microsoft.com/office/drawing/2014/main" id="{A404F97B-57A9-42E0-AF61-BF5591A57F28}"/>
               </a:ext>
             </a:extLst>
           </p:cNvPr>
@@ -3652,7 +3723,7 @@
           <a:p>
             <a:r>
               <a:rPr lang="en-US" dirty="0"/>
-              <a:t>Security Identifiers</a:t>
+              <a:t>Company Identifiers</a:t>
             </a:r>
           </a:p>
         </p:txBody>
@@ -3662,7 +3733,7 @@
           <p:cNvPr id="3" name="Content Placeholder 2">
             <a:extLst>
               <a:ext uri="{FF2B5EF4-FFF2-40B4-BE49-F238E27FC236}">
-                <a16:creationId xmlns:a16="http://schemas.microsoft.com/office/drawing/2014/main" id="{3DAE8F9F-E426-4253-A39F-190BC15260EA}"/>
+                <a16:creationId xmlns:a16="http://schemas.microsoft.com/office/drawing/2014/main" id="{5E9E375F-504F-4E69-B73B-E58541A5A299}"/>
               </a:ext>
             </a:extLst>
           </p:cNvPr>
@@ -3675,112 +3746,57 @@
         </p:nvSpPr>
         <p:spPr/>
         <p:txBody>
-          <a:bodyPr>
-            <a:normAutofit fontScale="85000" lnSpcReduction="10000"/>
-          </a:bodyPr>
-          <a:lstStyle/>
-          <a:p>
-            <a:r>
-              <a:rPr lang="en-US" dirty="0"/>
-              <a:t>Ticker</a:t>
+          <a:bodyPr/>
+          <a:lstStyle/>
+          <a:p>
+            <a:r>
+              <a:rPr lang="en-US" dirty="0"/>
+              <a:t>Name(?)</a:t>
+            </a:r>
+          </a:p>
+          <a:p>
+            <a:r>
+              <a:rPr lang="en-US" dirty="0"/>
+              <a:t>SEC Central Index Key (CIK)</a:t>
+            </a:r>
+          </a:p>
+          <a:p>
+            <a:r>
+              <a:rPr lang="en-US" dirty="0"/>
+              <a:t>Dunn &amp; Bradstreet Number (D-U-N-S)</a:t>
             </a:r>
           </a:p>
           <a:p>
             <a:pPr lvl="1"/>
             <a:r>
               <a:rPr lang="en-US" dirty="0"/>
-              <a:t>Issued by exchange</a:t>
-            </a:r>
-          </a:p>
-          <a:p>
-            <a:pPr lvl="2"/>
-            <a:r>
-              <a:rPr lang="en-US" dirty="0"/>
-              <a:t>Same security may have different tickers on different exchanges</a:t>
-            </a:r>
-          </a:p>
-          <a:p>
-            <a:pPr lvl="1"/>
-            <a:r>
-              <a:rPr lang="en-US" dirty="0"/>
-              <a:t>Change often due to name changes or vanity</a:t>
-            </a:r>
-          </a:p>
-          <a:p>
-            <a:r>
-              <a:rPr lang="en-US" dirty="0"/>
-              <a:t>CUSIP Number</a:t>
-            </a:r>
-          </a:p>
-          <a:p>
-            <a:pPr lvl="1"/>
-            <a:r>
-              <a:rPr lang="en-US" dirty="0"/>
-              <a:t>Committee on Uniform Security Identification Procedures	</a:t>
-            </a:r>
-          </a:p>
-          <a:p>
-            <a:pPr lvl="2"/>
-            <a:r>
-              <a:rPr lang="en-US" dirty="0"/>
-              <a:t>Formed as a result of the paperwork crisis in the 1960s</a:t>
-            </a:r>
-          </a:p>
-          <a:p>
-            <a:pPr lvl="1"/>
-            <a:r>
-              <a:rPr lang="en-US" dirty="0"/>
-              <a:t>Not really open</a:t>
-            </a:r>
-          </a:p>
-          <a:p>
-            <a:pPr lvl="1"/>
-            <a:r>
-              <a:rPr lang="en-US" dirty="0"/>
-              <a:t>Changes when company name changes, etc.</a:t>
-            </a:r>
-          </a:p>
-          <a:p>
-            <a:pPr lvl="2"/>
-            <a:r>
-              <a:rPr lang="en-US" dirty="0"/>
-              <a:t>Sort on CUSIP =&gt; sort on Company Name</a:t>
-            </a:r>
-          </a:p>
-          <a:p>
-            <a:pPr lvl="1"/>
-            <a:r>
-              <a:rPr lang="en-US" dirty="0"/>
-              <a:t>9 characters including check digit</a:t>
-            </a:r>
-          </a:p>
-          <a:p>
-            <a:pPr lvl="2"/>
-            <a:r>
-              <a:rPr lang="en-US" dirty="0"/>
-              <a:t>First six characters =&gt; issuer</a:t>
-            </a:r>
-          </a:p>
-          <a:p>
-            <a:pPr lvl="2"/>
-            <a:r>
-              <a:rPr lang="en-US" dirty="0"/>
-              <a:t>7-8 =&gt; issue</a:t>
-            </a:r>
-          </a:p>
-          <a:p>
-            <a:pPr lvl="1"/>
-            <a:r>
-              <a:rPr lang="en-US" dirty="0"/>
-              <a:t>Sometimes re-used; some issuers have more than one six character issuer-level CUSIP</a:t>
-            </a:r>
+              <a:t>Really not open!</a:t>
+            </a:r>
+          </a:p>
+          <a:p>
+            <a:r>
+              <a:rPr lang="en-US" dirty="0"/>
+              <a:t>EIN</a:t>
+            </a:r>
+          </a:p>
+          <a:p>
+            <a:r>
+              <a:rPr lang="en-US" dirty="0"/>
+              <a:t>Delaware registration</a:t>
+            </a:r>
+          </a:p>
+          <a:p>
+            <a:endParaRPr lang="en-US" dirty="0"/>
+          </a:p>
+          <a:p>
+            <a:endParaRPr lang="en-US" dirty="0"/>
           </a:p>
         </p:txBody>
       </p:sp>
     </p:spTree>
     <p:extLst>
       <p:ext uri="{BB962C8B-B14F-4D97-AF65-F5344CB8AC3E}">
-        <p14:creationId xmlns:p14="http://schemas.microsoft.com/office/powerpoint/2010/main" val="2842903902"/>
+        <p14:creationId xmlns:p14="http://schemas.microsoft.com/office/powerpoint/2010/main" val="1702561611"/>
       </p:ext>
     </p:extLst>
   </p:cSld>
@@ -3812,7 +3828,7 @@
           <p:cNvPr id="2" name="Title 1">
             <a:extLst>
               <a:ext uri="{FF2B5EF4-FFF2-40B4-BE49-F238E27FC236}">
-                <a16:creationId xmlns:a16="http://schemas.microsoft.com/office/drawing/2014/main" id="{9A6C444D-04E7-470F-B1B8-84621EE891B8}"/>
+                <a16:creationId xmlns:a16="http://schemas.microsoft.com/office/drawing/2014/main" id="{2D2BA2AB-B634-4A1C-9329-1536E1EE7F4B}"/>
               </a:ext>
             </a:extLst>
           </p:cNvPr>
@@ -3830,7 +3846,7 @@
           <a:p>
             <a:r>
               <a:rPr lang="en-US" dirty="0"/>
-              <a:t>Entities</a:t>
+              <a:t>Security Identifiers</a:t>
             </a:r>
           </a:p>
         </p:txBody>
@@ -3840,7 +3856,7 @@
           <p:cNvPr id="3" name="Content Placeholder 2">
             <a:extLst>
               <a:ext uri="{FF2B5EF4-FFF2-40B4-BE49-F238E27FC236}">
-                <a16:creationId xmlns:a16="http://schemas.microsoft.com/office/drawing/2014/main" id="{C094FDE9-D571-46D7-B047-E079D742D4CB}"/>
+                <a16:creationId xmlns:a16="http://schemas.microsoft.com/office/drawing/2014/main" id="{3DAE8F9F-E426-4253-A39F-190BC15260EA}"/>
               </a:ext>
             </a:extLst>
           </p:cNvPr>
@@ -3853,45 +3869,104 @@
         </p:nvSpPr>
         <p:spPr/>
         <p:txBody>
-          <a:bodyPr/>
-          <a:lstStyle/>
-          <a:p>
-            <a:r>
-              <a:rPr lang="en-US" dirty="0"/>
-              <a:t>Company</a:t>
+          <a:bodyPr>
+            <a:normAutofit fontScale="85000" lnSpcReduction="10000"/>
+          </a:bodyPr>
+          <a:lstStyle/>
+          <a:p>
+            <a:r>
+              <a:rPr lang="en-US" dirty="0"/>
+              <a:t>Ticker</a:t>
             </a:r>
           </a:p>
           <a:p>
             <a:pPr lvl="1"/>
             <a:r>
               <a:rPr lang="en-US" dirty="0"/>
-              <a:t>Subsidiary</a:t>
+              <a:t>Issued by exchange</a:t>
             </a:r>
           </a:p>
           <a:p>
             <a:pPr lvl="2"/>
             <a:r>
               <a:rPr lang="en-US" dirty="0"/>
-              <a:t>Security</a:t>
-            </a:r>
-          </a:p>
-          <a:p>
-            <a:pPr lvl="3"/>
-            <a:r>
-              <a:rPr lang="en-US" dirty="0"/>
-              <a:t>Exchange</a:t>
-            </a:r>
-          </a:p>
-          <a:p>
-            <a:r>
-              <a:rPr lang="en-US" dirty="0"/>
-              <a:t>Generally one-to-many, but cross-ownership of subsidiaries, etc., happens.</a:t>
-            </a:r>
-          </a:p>
-          <a:p>
-            <a:r>
-              <a:rPr lang="en-US" dirty="0"/>
-              <a:t>Maybe best to represent this as a graph, with entities as nodes and edge properties describing ownership, legal obligations, etc. </a:t>
+              <a:t>Same security may have different tickers on different exchanges</a:t>
+            </a:r>
+          </a:p>
+          <a:p>
+            <a:pPr lvl="1"/>
+            <a:r>
+              <a:rPr lang="en-US" dirty="0"/>
+              <a:t>Change often due to name changes or vanity</a:t>
+            </a:r>
+          </a:p>
+          <a:p>
+            <a:r>
+              <a:rPr lang="en-US" dirty="0"/>
+              <a:t>CUSIP Number</a:t>
+            </a:r>
+          </a:p>
+          <a:p>
+            <a:pPr lvl="1"/>
+            <a:r>
+              <a:rPr lang="en-US" dirty="0"/>
+              <a:t>Committee on Uniform Security Identification Procedures	</a:t>
+            </a:r>
+          </a:p>
+          <a:p>
+            <a:pPr lvl="2"/>
+            <a:r>
+              <a:rPr lang="en-US" dirty="0"/>
+              <a:t>Formed as a result of the paperwork crisis in the 1960s</a:t>
+            </a:r>
+          </a:p>
+          <a:p>
+            <a:pPr lvl="1"/>
+            <a:r>
+              <a:rPr lang="en-US" dirty="0"/>
+              <a:t>Not really open</a:t>
+            </a:r>
+          </a:p>
+          <a:p>
+            <a:pPr lvl="1"/>
+            <a:r>
+              <a:rPr lang="en-US" dirty="0"/>
+              <a:t>Changes when company name changes, etc.</a:t>
+            </a:r>
+          </a:p>
+          <a:p>
+            <a:pPr lvl="2"/>
+            <a:r>
+              <a:rPr lang="en-US" dirty="0"/>
+              <a:t>Sort on CUSIP =&gt; sort on Company Name</a:t>
+            </a:r>
+          </a:p>
+          <a:p>
+            <a:pPr lvl="1"/>
+            <a:r>
+              <a:rPr lang="en-US" dirty="0"/>
+              <a:t>9 characters including check digit</a:t>
+            </a:r>
+          </a:p>
+          <a:p>
+            <a:pPr lvl="2"/>
+            <a:r>
+              <a:rPr lang="en-US" dirty="0"/>
+              <a:t>First six characters =&gt; issuer</a:t>
+            </a:r>
+          </a:p>
+          <a:p>
+            <a:pPr lvl="2"/>
+            <a:r>
+              <a:rPr lang="en-US" dirty="0"/>
+              <a:t>7-8 =&gt; issue</a:t>
+            </a:r>
+          </a:p>
+          <a:p>
+            <a:pPr lvl="1"/>
+            <a:r>
+              <a:rPr lang="en-US" dirty="0"/>
+              <a:t>Sometimes re-used; some issuers have more than one six character issuer-level CUSIP</a:t>
             </a:r>
           </a:p>
         </p:txBody>
@@ -3899,7 +3974,7 @@
     </p:spTree>
     <p:extLst>
       <p:ext uri="{BB962C8B-B14F-4D97-AF65-F5344CB8AC3E}">
-        <p14:creationId xmlns:p14="http://schemas.microsoft.com/office/powerpoint/2010/main" val="4031881453"/>
+        <p14:creationId xmlns:p14="http://schemas.microsoft.com/office/powerpoint/2010/main" val="2842903902"/>
       </p:ext>
     </p:extLst>
   </p:cSld>
@@ -3931,7 +4006,7 @@
           <p:cNvPr id="2" name="Title 1">
             <a:extLst>
               <a:ext uri="{FF2B5EF4-FFF2-40B4-BE49-F238E27FC236}">
-                <a16:creationId xmlns:a16="http://schemas.microsoft.com/office/drawing/2014/main" id="{08DFC5DB-73FB-4C41-AB87-392C07C5FD0D}"/>
+                <a16:creationId xmlns:a16="http://schemas.microsoft.com/office/drawing/2014/main" id="{9A6C444D-04E7-470F-B1B8-84621EE891B8}"/>
               </a:ext>
             </a:extLst>
           </p:cNvPr>
@@ -3949,7 +4024,7 @@
           <a:p>
             <a:r>
               <a:rPr lang="en-US" dirty="0"/>
-              <a:t>Matching</a:t>
+              <a:t>Entities</a:t>
             </a:r>
           </a:p>
         </p:txBody>
@@ -3959,7 +4034,7 @@
           <p:cNvPr id="3" name="Content Placeholder 2">
             <a:extLst>
               <a:ext uri="{FF2B5EF4-FFF2-40B4-BE49-F238E27FC236}">
-                <a16:creationId xmlns:a16="http://schemas.microsoft.com/office/drawing/2014/main" id="{CAF0A699-A88A-4A3E-B7E7-1D8FEFA14054}"/>
+                <a16:creationId xmlns:a16="http://schemas.microsoft.com/office/drawing/2014/main" id="{C094FDE9-D571-46D7-B047-E079D742D4CB}"/>
               </a:ext>
             </a:extLst>
           </p:cNvPr>
@@ -3977,36 +4052,48 @@
           <a:p>
             <a:r>
               <a:rPr lang="en-US" dirty="0"/>
-              <a:t>Most data comes with public or quasi-public identifiers attached</a:t>
-            </a:r>
-          </a:p>
-          <a:p>
-            <a:r>
-              <a:rPr lang="en-US" dirty="0"/>
-              <a:t>Match data sets via these public identifiers</a:t>
-            </a:r>
-          </a:p>
-          <a:p>
-            <a:r>
-              <a:rPr lang="en-US" dirty="0"/>
-              <a:t>But, most public IDs change over time.</a:t>
-            </a:r>
-          </a:p>
-          <a:p>
-            <a:r>
-              <a:rPr lang="en-US" dirty="0"/>
-              <a:t>A correct match today doesn’t guarantee a correct match in the past</a:t>
-            </a:r>
-          </a:p>
-          <a:p>
-            <a:endParaRPr lang="en-US" dirty="0"/>
+              <a:t>Company</a:t>
+            </a:r>
+          </a:p>
+          <a:p>
+            <a:pPr lvl="1"/>
+            <a:r>
+              <a:rPr lang="en-US" dirty="0"/>
+              <a:t>Subsidiary</a:t>
+            </a:r>
+          </a:p>
+          <a:p>
+            <a:pPr lvl="2"/>
+            <a:r>
+              <a:rPr lang="en-US" dirty="0"/>
+              <a:t>Security</a:t>
+            </a:r>
+          </a:p>
+          <a:p>
+            <a:pPr lvl="3"/>
+            <a:r>
+              <a:rPr lang="en-US" dirty="0"/>
+              <a:t>Exchange</a:t>
+            </a:r>
+          </a:p>
+          <a:p>
+            <a:r>
+              <a:rPr lang="en-US" dirty="0"/>
+              <a:t>Generally one-to-many, but cross-ownership of subsidiaries, etc., happens.</a:t>
+            </a:r>
+          </a:p>
+          <a:p>
+            <a:r>
+              <a:rPr lang="en-US" dirty="0"/>
+              <a:t>Maybe best to represent this as a graph, with entities as nodes and edge properties describing ownership, legal obligations, etc. </a:t>
+            </a:r>
           </a:p>
         </p:txBody>
       </p:sp>
     </p:spTree>
     <p:extLst>
       <p:ext uri="{BB962C8B-B14F-4D97-AF65-F5344CB8AC3E}">
-        <p14:creationId xmlns:p14="http://schemas.microsoft.com/office/powerpoint/2010/main" val="4139702850"/>
+        <p14:creationId xmlns:p14="http://schemas.microsoft.com/office/powerpoint/2010/main" val="4031881453"/>
       </p:ext>
     </p:extLst>
   </p:cSld>
@@ -4038,7 +4125,7 @@
           <p:cNvPr id="2" name="Title 1">
             <a:extLst>
               <a:ext uri="{FF2B5EF4-FFF2-40B4-BE49-F238E27FC236}">
-                <a16:creationId xmlns:a16="http://schemas.microsoft.com/office/drawing/2014/main" id="{00D775C8-A4F3-4EAB-A60D-C5BE8DA554A3}"/>
+                <a16:creationId xmlns:a16="http://schemas.microsoft.com/office/drawing/2014/main" id="{08DFC5DB-73FB-4C41-AB87-392C07C5FD0D}"/>
               </a:ext>
             </a:extLst>
           </p:cNvPr>
@@ -4056,7 +4143,7 @@
           <a:p>
             <a:r>
               <a:rPr lang="en-US" dirty="0"/>
-              <a:t>Time-series matching</a:t>
+              <a:t>Matching</a:t>
             </a:r>
           </a:p>
         </p:txBody>
@@ -4066,7 +4153,7 @@
           <p:cNvPr id="3" name="Content Placeholder 2">
             <a:extLst>
               <a:ext uri="{FF2B5EF4-FFF2-40B4-BE49-F238E27FC236}">
-                <a16:creationId xmlns:a16="http://schemas.microsoft.com/office/drawing/2014/main" id="{F46FC5AF-4DF4-4528-9C31-12815DAC7957}"/>
+                <a16:creationId xmlns:a16="http://schemas.microsoft.com/office/drawing/2014/main" id="{CAF0A699-A88A-4A3E-B7E7-1D8FEFA14054}"/>
               </a:ext>
             </a:extLst>
           </p:cNvPr>
@@ -4084,61 +4171,36 @@
           <a:p>
             <a:r>
               <a:rPr lang="en-US" dirty="0"/>
-              <a:t>As we've seen, security identifiers change over time</a:t>
-            </a:r>
-          </a:p>
-          <a:p>
-            <a:r>
-              <a:rPr lang="en-US" dirty="0"/>
-              <a:t>Some vendors provide "permanent" IDs to mitigate the effects of name changes, CUSIP changes, ticker changes.</a:t>
-            </a:r>
-          </a:p>
-          <a:p>
-            <a:r>
-              <a:rPr lang="en-US" dirty="0"/>
-              <a:t>Corporate actions cause problems</a:t>
-            </a:r>
-          </a:p>
-          <a:p>
-            <a:pPr lvl="1"/>
-            <a:r>
-              <a:rPr lang="en-US" dirty="0"/>
-              <a:t>Who survives a merger?</a:t>
-            </a:r>
-          </a:p>
-          <a:p>
-            <a:pPr lvl="1"/>
-            <a:r>
-              <a:rPr lang="en-US" dirty="0"/>
-              <a:t>Is the spun-off entity actually the parent?</a:t>
-            </a:r>
-          </a:p>
-          <a:p>
-            <a:pPr lvl="1"/>
-            <a:r>
-              <a:rPr lang="en-US" dirty="0"/>
-              <a:t>Major capital changes</a:t>
-            </a:r>
-          </a:p>
-          <a:p>
-            <a:pPr lvl="2"/>
-            <a:r>
-              <a:rPr lang="en-US" dirty="0"/>
-              <a:t>Often driven by arcane tax rules that don't have a lot of relevance for our use case</a:t>
-            </a:r>
-          </a:p>
-          <a:p>
-            <a:r>
-              <a:rPr lang="en-US" dirty="0"/>
-              <a:t>And what if two different vendors choose differently in the above?</a:t>
-            </a:r>
+              <a:t>Most data comes with public or quasi-public identifiers attached</a:t>
+            </a:r>
+          </a:p>
+          <a:p>
+            <a:r>
+              <a:rPr lang="en-US" dirty="0"/>
+              <a:t>Match data sets via these public identifiers</a:t>
+            </a:r>
+          </a:p>
+          <a:p>
+            <a:r>
+              <a:rPr lang="en-US" dirty="0"/>
+              <a:t>But, most public IDs change over time.</a:t>
+            </a:r>
+          </a:p>
+          <a:p>
+            <a:r>
+              <a:rPr lang="en-US" dirty="0"/>
+              <a:t>A correct match today doesn’t guarantee a correct match in the past</a:t>
+            </a:r>
+          </a:p>
+          <a:p>
+            <a:endParaRPr lang="en-US" dirty="0"/>
           </a:p>
         </p:txBody>
       </p:sp>
     </p:spTree>
     <p:extLst>
       <p:ext uri="{BB962C8B-B14F-4D97-AF65-F5344CB8AC3E}">
-        <p14:creationId xmlns:p14="http://schemas.microsoft.com/office/powerpoint/2010/main" val="151679832"/>
+        <p14:creationId xmlns:p14="http://schemas.microsoft.com/office/powerpoint/2010/main" val="4139702850"/>
       </p:ext>
     </p:extLst>
   </p:cSld>
@@ -4170,7 +4232,7 @@
           <p:cNvPr id="2" name="Title 1">
             <a:extLst>
               <a:ext uri="{FF2B5EF4-FFF2-40B4-BE49-F238E27FC236}">
-                <a16:creationId xmlns:a16="http://schemas.microsoft.com/office/drawing/2014/main" id="{C8B3F8BB-FFC5-49BB-91D3-F91CBD780E6F}"/>
+                <a16:creationId xmlns:a16="http://schemas.microsoft.com/office/drawing/2014/main" id="{00D775C8-A4F3-4EAB-A60D-C5BE8DA554A3}"/>
               </a:ext>
             </a:extLst>
           </p:cNvPr>
@@ -4188,7 +4250,7 @@
           <a:p>
             <a:r>
               <a:rPr lang="en-US" dirty="0"/>
-              <a:t>Time-series permanent matching</a:t>
+              <a:t>Time-series matching</a:t>
             </a:r>
           </a:p>
         </p:txBody>
@@ -4198,7 +4260,7 @@
           <p:cNvPr id="3" name="Content Placeholder 2">
             <a:extLst>
               <a:ext uri="{FF2B5EF4-FFF2-40B4-BE49-F238E27FC236}">
-                <a16:creationId xmlns:a16="http://schemas.microsoft.com/office/drawing/2014/main" id="{A41CB290-0BC7-4DD4-836B-D073C8F4E9C2}"/>
+                <a16:creationId xmlns:a16="http://schemas.microsoft.com/office/drawing/2014/main" id="{F46FC5AF-4DF4-4528-9C31-12815DAC7957}"/>
               </a:ext>
             </a:extLst>
           </p:cNvPr>
@@ -4211,91 +4273,66 @@
         </p:nvSpPr>
         <p:spPr/>
         <p:txBody>
-          <a:bodyPr>
-            <a:normAutofit/>
-          </a:bodyPr>
-          <a:lstStyle/>
-          <a:p>
-            <a:r>
-              <a:rPr lang="en-US" dirty="0"/>
-              <a:t>Slow-moving</a:t>
+          <a:bodyPr/>
+          <a:lstStyle/>
+          <a:p>
+            <a:r>
+              <a:rPr lang="en-US" dirty="0"/>
+              <a:t>As we've seen, security identifiers change over time</a:t>
+            </a:r>
+          </a:p>
+          <a:p>
+            <a:r>
+              <a:rPr lang="en-US" dirty="0"/>
+              <a:t>Some vendors provide "permanent" IDs to mitigate the effects of name changes, CUSIP changes, ticker changes.</a:t>
+            </a:r>
+          </a:p>
+          <a:p>
+            <a:r>
+              <a:rPr lang="en-US" dirty="0"/>
+              <a:t>Corporate actions cause problems</a:t>
             </a:r>
           </a:p>
           <a:p>
             <a:pPr lvl="1"/>
             <a:r>
               <a:rPr lang="en-US" dirty="0"/>
-              <a:t>Thankfully companies don't change this stuff very often</a:t>
-            </a:r>
-          </a:p>
-          <a:p>
-            <a:r>
-              <a:rPr lang="en-US" dirty="0"/>
-              <a:t>Need a full time-series mapping across all potential data sources</a:t>
-            </a:r>
-          </a:p>
-          <a:p>
-            <a:r>
-              <a:rPr lang="en-US" dirty="0"/>
-              <a:t>Source1, ID1, Source2, ID2, </a:t>
-            </a:r>
-            <a:r>
-              <a:rPr lang="en-US" dirty="0" err="1"/>
-              <a:t>BeginDate</a:t>
-            </a:r>
-            <a:r>
-              <a:rPr lang="en-US" dirty="0"/>
-              <a:t>, </a:t>
-            </a:r>
-            <a:r>
-              <a:rPr lang="en-US" dirty="0" err="1"/>
-              <a:t>EndDate</a:t>
-            </a:r>
-            <a:endParaRPr lang="en-US" dirty="0"/>
+              <a:t>Who survives a merger?</a:t>
+            </a:r>
           </a:p>
           <a:p>
             <a:pPr lvl="1"/>
             <a:r>
               <a:rPr lang="en-US" dirty="0"/>
-              <a:t>Need to have QA to ensure no duplicate mappings at any given time.</a:t>
-            </a:r>
-          </a:p>
-          <a:p>
-            <a:r>
-              <a:rPr lang="en-US" dirty="0"/>
-              <a:t>Should you create your own permanent ID? </a:t>
+              <a:t>Is the spun-off entity actually the parent?</a:t>
             </a:r>
           </a:p>
           <a:p>
             <a:pPr lvl="1"/>
             <a:r>
               <a:rPr lang="en-US" dirty="0"/>
-              <a:t>Probably; it's really convenient =&gt; query simplicity, but you have to maintain it. </a:t>
-            </a:r>
-          </a:p>
-          <a:p>
-            <a:pPr lvl="1"/>
-            <a:r>
-              <a:rPr lang="en-US" dirty="0"/>
-              <a:t>Could be just your "primary" vendor's ID</a:t>
+              <a:t>Major capital changes</a:t>
             </a:r>
           </a:p>
           <a:p>
             <a:pPr lvl="2"/>
             <a:r>
               <a:rPr lang="en-US" dirty="0"/>
-              <a:t>Problem if you later drop that vendor</a:t>
-            </a:r>
-          </a:p>
-          <a:p>
-            <a:endParaRPr lang="en-US" dirty="0"/>
+              <a:t>Often driven by arcane tax rules that don't have a lot of relevance for our use case</a:t>
+            </a:r>
+          </a:p>
+          <a:p>
+            <a:r>
+              <a:rPr lang="en-US" dirty="0"/>
+              <a:t>And what if two different vendors choose differently in the above?</a:t>
+            </a:r>
           </a:p>
         </p:txBody>
       </p:sp>
     </p:spTree>
     <p:extLst>
       <p:ext uri="{BB962C8B-B14F-4D97-AF65-F5344CB8AC3E}">
-        <p14:creationId xmlns:p14="http://schemas.microsoft.com/office/powerpoint/2010/main" val="2761199014"/>
+        <p14:creationId xmlns:p14="http://schemas.microsoft.com/office/powerpoint/2010/main" val="151679832"/>
       </p:ext>
     </p:extLst>
   </p:cSld>
@@ -4327,7 +4364,7 @@
           <p:cNvPr id="2" name="Title 1">
             <a:extLst>
               <a:ext uri="{FF2B5EF4-FFF2-40B4-BE49-F238E27FC236}">
-                <a16:creationId xmlns:a16="http://schemas.microsoft.com/office/drawing/2014/main" id="{BB659553-67BF-4A76-B360-F6E377BA909F}"/>
+                <a16:creationId xmlns:a16="http://schemas.microsoft.com/office/drawing/2014/main" id="{C8B3F8BB-FFC5-49BB-91D3-F91CBD780E6F}"/>
               </a:ext>
             </a:extLst>
           </p:cNvPr>
@@ -4345,7 +4382,7 @@
           <a:p>
             <a:r>
               <a:rPr lang="en-US" dirty="0"/>
-              <a:t>Access	</a:t>
+              <a:t>Time-series permanent matching</a:t>
             </a:r>
           </a:p>
         </p:txBody>
@@ -4355,7 +4392,7 @@
           <p:cNvPr id="3" name="Content Placeholder 2">
             <a:extLst>
               <a:ext uri="{FF2B5EF4-FFF2-40B4-BE49-F238E27FC236}">
-                <a16:creationId xmlns:a16="http://schemas.microsoft.com/office/drawing/2014/main" id="{8067B1E4-0F90-4486-B798-EE47B0A9A68C}"/>
+                <a16:creationId xmlns:a16="http://schemas.microsoft.com/office/drawing/2014/main" id="{A41CB290-0BC7-4DD4-836B-D073C8F4E9C2}"/>
               </a:ext>
             </a:extLst>
           </p:cNvPr>
@@ -4368,48 +4405,91 @@
         </p:nvSpPr>
         <p:spPr/>
         <p:txBody>
-          <a:bodyPr/>
-          <a:lstStyle/>
-          <a:p>
-            <a:r>
-              <a:rPr lang="en-US" dirty="0"/>
-              <a:t>Need a function which returns a </a:t>
-            </a:r>
-            <a:r>
-              <a:rPr lang="en-US" i="1" dirty="0"/>
-              <a:t>time series </a:t>
-            </a:r>
-            <a:r>
-              <a:rPr lang="en-US" dirty="0"/>
-              <a:t>of identifiers for a given vendor's permanent identifier.</a:t>
-            </a:r>
-          </a:p>
-          <a:p>
-            <a:r>
-              <a:rPr lang="en-US" dirty="0"/>
-              <a:t>Then, you'll need to use this to do a temporal join to data associated with that identifier time series</a:t>
+          <a:bodyPr>
+            <a:normAutofit/>
+          </a:bodyPr>
+          <a:lstStyle/>
+          <a:p>
+            <a:r>
+              <a:rPr lang="en-US" dirty="0"/>
+              <a:t>Slow-moving</a:t>
             </a:r>
           </a:p>
           <a:p>
             <a:pPr lvl="1"/>
             <a:r>
               <a:rPr lang="en-US" dirty="0"/>
-              <a:t>SAP HANA has this natively</a:t>
-            </a:r>
+              <a:t>Thankfully companies don't change this stuff very often</a:t>
+            </a:r>
+          </a:p>
+          <a:p>
+            <a:r>
+              <a:rPr lang="en-US" dirty="0"/>
+              <a:t>Need a full time-series mapping across all potential data sources</a:t>
+            </a:r>
+          </a:p>
+          <a:p>
+            <a:r>
+              <a:rPr lang="en-US" dirty="0"/>
+              <a:t>Source1, ID1, Source2, ID2, </a:t>
+            </a:r>
+            <a:r>
+              <a:rPr lang="en-US" dirty="0" err="1"/>
+              <a:t>BeginDate</a:t>
+            </a:r>
+            <a:r>
+              <a:rPr lang="en-US" dirty="0"/>
+              <a:t>, </a:t>
+            </a:r>
+            <a:r>
+              <a:rPr lang="en-US" dirty="0" err="1"/>
+              <a:t>EndDate</a:t>
+            </a:r>
+            <a:endParaRPr lang="en-US" dirty="0"/>
           </a:p>
           <a:p>
             <a:pPr lvl="1"/>
             <a:r>
               <a:rPr lang="en-US" dirty="0"/>
-              <a:t>Or roll your own – it's easy to make this slow.</a:t>
-            </a:r>
+              <a:t>Need to have QA to ensure no duplicate mappings at any given time.</a:t>
+            </a:r>
+          </a:p>
+          <a:p>
+            <a:r>
+              <a:rPr lang="en-US" dirty="0"/>
+              <a:t>Should you create your own permanent ID? </a:t>
+            </a:r>
+          </a:p>
+          <a:p>
+            <a:pPr lvl="1"/>
+            <a:r>
+              <a:rPr lang="en-US" dirty="0"/>
+              <a:t>Probably; it's really convenient =&gt; query simplicity, but you have to maintain it. </a:t>
+            </a:r>
+          </a:p>
+          <a:p>
+            <a:pPr lvl="1"/>
+            <a:r>
+              <a:rPr lang="en-US" dirty="0"/>
+              <a:t>Could be just your "primary" vendor's ID</a:t>
+            </a:r>
+          </a:p>
+          <a:p>
+            <a:pPr lvl="2"/>
+            <a:r>
+              <a:rPr lang="en-US" dirty="0"/>
+              <a:t>Problem if you later drop that vendor</a:t>
+            </a:r>
+          </a:p>
+          <a:p>
+            <a:endParaRPr lang="en-US" dirty="0"/>
           </a:p>
         </p:txBody>
       </p:sp>
     </p:spTree>
     <p:extLst>
       <p:ext uri="{BB962C8B-B14F-4D97-AF65-F5344CB8AC3E}">
-        <p14:creationId xmlns:p14="http://schemas.microsoft.com/office/powerpoint/2010/main" val="3554993845"/>
+        <p14:creationId xmlns:p14="http://schemas.microsoft.com/office/powerpoint/2010/main" val="2761199014"/>
       </p:ext>
     </p:extLst>
   </p:cSld>
@@ -4441,7 +4521,7 @@
           <p:cNvPr id="2" name="Title 1">
             <a:extLst>
               <a:ext uri="{FF2B5EF4-FFF2-40B4-BE49-F238E27FC236}">
-                <a16:creationId xmlns:a16="http://schemas.microsoft.com/office/drawing/2014/main" id="{9CF32B3D-03BD-4B28-8B9F-159D021838BF}"/>
+                <a16:creationId xmlns:a16="http://schemas.microsoft.com/office/drawing/2014/main" id="{BB659553-67BF-4A76-B360-F6E377BA909F}"/>
               </a:ext>
             </a:extLst>
           </p:cNvPr>
@@ -4459,7 +4539,7 @@
           <a:p>
             <a:r>
               <a:rPr lang="en-US" dirty="0"/>
-              <a:t>"Primary" security/trading venue</a:t>
+              <a:t>Access	</a:t>
             </a:r>
           </a:p>
         </p:txBody>
@@ -4469,7 +4549,7 @@
           <p:cNvPr id="3" name="Content Placeholder 2">
             <a:extLst>
               <a:ext uri="{FF2B5EF4-FFF2-40B4-BE49-F238E27FC236}">
-                <a16:creationId xmlns:a16="http://schemas.microsoft.com/office/drawing/2014/main" id="{B3C4EDF2-1ABD-45FE-A968-4D728B774E0E}"/>
+                <a16:creationId xmlns:a16="http://schemas.microsoft.com/office/drawing/2014/main" id="{8067B1E4-0F90-4486-B798-EE47B0A9A68C}"/>
               </a:ext>
             </a:extLst>
           </p:cNvPr>
@@ -4487,27 +4567,35 @@
           <a:p>
             <a:r>
               <a:rPr lang="en-US" dirty="0"/>
-              <a:t>You probably want to buy the "primary" security on the "primary" exchange</a:t>
-            </a:r>
-          </a:p>
-          <a:p>
-            <a:r>
-              <a:rPr lang="en-US" dirty="0"/>
-              <a:t>How to define it? </a:t>
+              <a:t>Need a function which returns a </a:t>
+            </a:r>
+            <a:r>
+              <a:rPr lang="en-US" i="1" dirty="0"/>
+              <a:t>time series </a:t>
+            </a:r>
+            <a:r>
+              <a:rPr lang="en-US" dirty="0"/>
+              <a:t>of identifiers for a given vendor's permanent identifier.</a:t>
+            </a:r>
+          </a:p>
+          <a:p>
+            <a:r>
+              <a:rPr lang="en-US" dirty="0"/>
+              <a:t>Then, you'll need to use this to do a temporal join to data associated with that identifier time series</a:t>
             </a:r>
           </a:p>
           <a:p>
             <a:pPr lvl="1"/>
             <a:r>
               <a:rPr lang="en-US" dirty="0"/>
-              <a:t>Multiple share classes, maybe some voting, some not</a:t>
+              <a:t>SAP HANA has this natively</a:t>
             </a:r>
           </a:p>
           <a:p>
             <a:pPr lvl="1"/>
             <a:r>
               <a:rPr lang="en-US" dirty="0"/>
-              <a:t>Multiple exchanges. Largest volume? Local currency?</a:t>
+              <a:t>Or roll your own – it's easy to make this slow.</a:t>
             </a:r>
           </a:p>
         </p:txBody>
@@ -4515,7 +4603,7 @@
     </p:spTree>
     <p:extLst>
       <p:ext uri="{BB962C8B-B14F-4D97-AF65-F5344CB8AC3E}">
-        <p14:creationId xmlns:p14="http://schemas.microsoft.com/office/powerpoint/2010/main" val="3312153084"/>
+        <p14:creationId xmlns:p14="http://schemas.microsoft.com/office/powerpoint/2010/main" val="3554993845"/>
       </p:ext>
     </p:extLst>
   </p:cSld>

--- a/companymaster.pptx
+++ b/companymaster.pptx
@@ -3362,11 +3362,7 @@
           <a:p>
             <a:r>
               <a:rPr lang="en-US" dirty="0"/>
-              <a:t>Company and </a:t>
-            </a:r>
-            <a:r>
-              <a:rPr lang="en-US"/>
-              <a:t>Security Mastering</a:t>
+              <a:t>Company and Security Mastering</a:t>
             </a:r>
           </a:p>
         </p:txBody>
@@ -3618,8 +3614,13 @@
           <a:p>
             <a:r>
               <a:rPr lang="en-US" dirty="0"/>
-              <a:t>Information comes from disparate vendors and governments</a:t>
-            </a:r>
+              <a:t>Information comes from disparate vendors and </a:t>
+            </a:r>
+            <a:r>
+              <a:rPr lang="en-US"/>
+              <a:t>government agencies</a:t>
+            </a:r>
+            <a:endParaRPr lang="en-US" dirty="0"/>
           </a:p>
           <a:p>
             <a:pPr lvl="1"/>
